--- a/Yii-Framwork.pptx
+++ b/Yii-Framwork.pptx
@@ -23,6 +23,12 @@
     <p:sldId id="271" r:id="rId17"/>
     <p:sldId id="272" r:id="rId18"/>
     <p:sldId id="273" r:id="rId19"/>
+    <p:sldId id="278" r:id="rId20"/>
+    <p:sldId id="279" r:id="rId21"/>
+    <p:sldId id="277" r:id="rId22"/>
+    <p:sldId id="274" r:id="rId23"/>
+    <p:sldId id="275" r:id="rId24"/>
+    <p:sldId id="276" r:id="rId25"/>
   </p:sldIdLst>
   <p:sldSz cx="9144000" cy="6858000" type="screen4x3"/>
   <p:notesSz cx="6858000" cy="9144000"/>
@@ -177,7 +183,7 @@
           </a:lstStyle>
           <a:p>
             <a:r>
-              <a:rPr lang="en-US" smtClean="0"/>
+              <a:rPr lang="en-US"/>
               <a:t>Click to edit Master title style</a:t>
             </a:r>
             <a:endParaRPr lang="en-US" dirty="0"/>
@@ -294,7 +300,7 @@
           </a:lstStyle>
           <a:p>
             <a:r>
-              <a:rPr lang="en-US" smtClean="0"/>
+              <a:rPr lang="en-US"/>
               <a:t>Click to edit Master subtitle style</a:t>
             </a:r>
             <a:endParaRPr lang="en-US" dirty="0"/>
@@ -318,7 +324,7 @@
           <a:p>
             <a:fld id="{BB53B2B5-BB6F-44F1-B425-F34BF9B81B91}" type="datetimeFigureOut">
               <a:rPr lang="en-US" smtClean="0"/>
-              <a:t>5/13/2017</a:t>
+              <a:t>5/20/2017</a:t>
             </a:fld>
             <a:endParaRPr lang="en-US"/>
           </a:p>
@@ -453,7 +459,7 @@
           </a:lstStyle>
           <a:p>
             <a:r>
-              <a:rPr lang="en-US" smtClean="0"/>
+              <a:rPr lang="en-US"/>
               <a:t>Click to edit Master title style</a:t>
             </a:r>
             <a:endParaRPr lang="en-US" dirty="0"/>
@@ -527,7 +533,7 @@
           </a:lstStyle>
           <a:p>
             <a:r>
-              <a:rPr lang="en-US" smtClean="0"/>
+              <a:rPr lang="en-US"/>
               <a:t>Click icon to add picture</a:t>
             </a:r>
             <a:endParaRPr lang="en-US" dirty="0"/>
@@ -593,7 +599,7 @@
           <a:p>
             <a:pPr lvl="0"/>
             <a:r>
-              <a:rPr lang="en-US" smtClean="0"/>
+              <a:rPr lang="en-US"/>
               <a:t>Edit Master text styles</a:t>
             </a:r>
           </a:p>
@@ -616,7 +622,7 @@
           <a:p>
             <a:fld id="{BB53B2B5-BB6F-44F1-B425-F34BF9B81B91}" type="datetimeFigureOut">
               <a:rPr lang="en-US" smtClean="0"/>
-              <a:t>5/13/2017</a:t>
+              <a:t>5/20/2017</a:t>
             </a:fld>
             <a:endParaRPr lang="en-US"/>
           </a:p>
@@ -719,7 +725,7 @@
           </a:lstStyle>
           <a:p>
             <a:r>
-              <a:rPr lang="en-US" smtClean="0"/>
+              <a:rPr lang="en-US"/>
               <a:t>Click to edit Master title style</a:t>
             </a:r>
             <a:endParaRPr lang="en-US" dirty="0"/>
@@ -785,7 +791,7 @@
           <a:p>
             <a:pPr lvl="0"/>
             <a:r>
-              <a:rPr lang="en-US" smtClean="0"/>
+              <a:rPr lang="en-US"/>
               <a:t>Edit Master text styles</a:t>
             </a:r>
           </a:p>
@@ -808,7 +814,7 @@
           <a:p>
             <a:fld id="{BB53B2B5-BB6F-44F1-B425-F34BF9B81B91}" type="datetimeFigureOut">
               <a:rPr lang="en-US" smtClean="0"/>
-              <a:t>5/13/2017</a:t>
+              <a:t>5/20/2017</a:t>
             </a:fld>
             <a:endParaRPr lang="en-US"/>
           </a:p>
@@ -911,7 +917,7 @@
           </a:lstStyle>
           <a:p>
             <a:r>
-              <a:rPr lang="en-US" smtClean="0"/>
+              <a:rPr lang="en-US"/>
               <a:t>Click to edit Master title style</a:t>
             </a:r>
             <a:endParaRPr lang="en-US" dirty="0"/>
@@ -979,7 +985,7 @@
           <a:p>
             <a:pPr lvl="0"/>
             <a:r>
-              <a:rPr lang="en-US" smtClean="0"/>
+              <a:rPr lang="en-US"/>
               <a:t>Edit Master text styles</a:t>
             </a:r>
           </a:p>
@@ -1046,7 +1052,7 @@
           <a:p>
             <a:pPr lvl="0"/>
             <a:r>
-              <a:rPr lang="en-US" smtClean="0"/>
+              <a:rPr lang="en-US"/>
               <a:t>Edit Master text styles</a:t>
             </a:r>
           </a:p>
@@ -1069,7 +1075,7 @@
           <a:p>
             <a:fld id="{BB53B2B5-BB6F-44F1-B425-F34BF9B81B91}" type="datetimeFigureOut">
               <a:rPr lang="en-US" smtClean="0"/>
-              <a:t>5/13/2017</a:t>
+              <a:t>5/20/2017</a:t>
             </a:fld>
             <a:endParaRPr lang="en-US"/>
           </a:p>
@@ -1404,7 +1410,7 @@
           </a:lstStyle>
           <a:p>
             <a:r>
-              <a:rPr lang="en-US" smtClean="0"/>
+              <a:rPr lang="en-US"/>
               <a:t>Click to edit Master title style</a:t>
             </a:r>
             <a:endParaRPr lang="en-US" dirty="0"/>
@@ -1470,7 +1476,7 @@
           <a:p>
             <a:pPr lvl="0"/>
             <a:r>
-              <a:rPr lang="en-US" smtClean="0"/>
+              <a:rPr lang="en-US"/>
               <a:t>Edit Master text styles</a:t>
             </a:r>
           </a:p>
@@ -1493,7 +1499,7 @@
           <a:p>
             <a:fld id="{BB53B2B5-BB6F-44F1-B425-F34BF9B81B91}" type="datetimeFigureOut">
               <a:rPr lang="en-US" smtClean="0"/>
-              <a:t>5/13/2017</a:t>
+              <a:t>5/20/2017</a:t>
             </a:fld>
             <a:endParaRPr lang="en-US"/>
           </a:p>
@@ -1592,7 +1598,7 @@
           <a:lstStyle/>
           <a:p>
             <a:r>
-              <a:rPr lang="en-US" smtClean="0"/>
+              <a:rPr lang="en-US"/>
               <a:t>Click to edit Master title style</a:t>
             </a:r>
             <a:endParaRPr lang="en-US" dirty="0"/>
@@ -1664,7 +1670,7 @@
           <a:p>
             <a:pPr lvl="0"/>
             <a:r>
-              <a:rPr lang="en-US" smtClean="0"/>
+              <a:rPr lang="en-US"/>
               <a:t>Edit Master text styles</a:t>
             </a:r>
           </a:p>
@@ -1731,7 +1737,7 @@
           <a:p>
             <a:pPr lvl="0"/>
             <a:r>
-              <a:rPr lang="en-US" smtClean="0"/>
+              <a:rPr lang="en-US"/>
               <a:t>Edit Master text styles</a:t>
             </a:r>
           </a:p>
@@ -1802,7 +1808,7 @@
           <a:p>
             <a:pPr lvl="0"/>
             <a:r>
-              <a:rPr lang="en-US" smtClean="0"/>
+              <a:rPr lang="en-US"/>
               <a:t>Edit Master text styles</a:t>
             </a:r>
           </a:p>
@@ -1869,7 +1875,7 @@
           <a:p>
             <a:pPr lvl="0"/>
             <a:r>
-              <a:rPr lang="en-US" smtClean="0"/>
+              <a:rPr lang="en-US"/>
               <a:t>Edit Master text styles</a:t>
             </a:r>
           </a:p>
@@ -1940,7 +1946,7 @@
           <a:p>
             <a:pPr lvl="0"/>
             <a:r>
-              <a:rPr lang="en-US" smtClean="0"/>
+              <a:rPr lang="en-US"/>
               <a:t>Edit Master text styles</a:t>
             </a:r>
           </a:p>
@@ -2007,7 +2013,7 @@
           <a:p>
             <a:pPr lvl="0"/>
             <a:r>
-              <a:rPr lang="en-US" smtClean="0"/>
+              <a:rPr lang="en-US"/>
               <a:t>Edit Master text styles</a:t>
             </a:r>
           </a:p>
@@ -2030,7 +2036,7 @@
           <a:p>
             <a:fld id="{BB53B2B5-BB6F-44F1-B425-F34BF9B81B91}" type="datetimeFigureOut">
               <a:rPr lang="en-US" smtClean="0"/>
-              <a:t>5/13/2017</a:t>
+              <a:t>5/20/2017</a:t>
             </a:fld>
             <a:endParaRPr lang="en-US"/>
           </a:p>
@@ -2219,7 +2225,7 @@
           <a:lstStyle/>
           <a:p>
             <a:r>
-              <a:rPr lang="en-US" smtClean="0"/>
+              <a:rPr lang="en-US"/>
               <a:t>Click to edit Master title style</a:t>
             </a:r>
             <a:endParaRPr lang="en-US" dirty="0"/>
@@ -2291,7 +2297,7 @@
           <a:p>
             <a:pPr lvl="0"/>
             <a:r>
-              <a:rPr lang="en-US" smtClean="0"/>
+              <a:rPr lang="en-US"/>
               <a:t>Edit Master text styles</a:t>
             </a:r>
           </a:p>
@@ -2369,7 +2375,7 @@
           </a:lstStyle>
           <a:p>
             <a:r>
-              <a:rPr lang="en-US" smtClean="0"/>
+              <a:rPr lang="en-US"/>
               <a:t>Click icon to add picture</a:t>
             </a:r>
             <a:endParaRPr lang="en-US" dirty="0"/>
@@ -2437,7 +2443,7 @@
           <a:p>
             <a:pPr lvl="0"/>
             <a:r>
-              <a:rPr lang="en-US" smtClean="0"/>
+              <a:rPr lang="en-US"/>
               <a:t>Edit Master text styles</a:t>
             </a:r>
           </a:p>
@@ -2508,7 +2514,7 @@
           <a:p>
             <a:pPr lvl="0"/>
             <a:r>
-              <a:rPr lang="en-US" smtClean="0"/>
+              <a:rPr lang="en-US"/>
               <a:t>Edit Master text styles</a:t>
             </a:r>
           </a:p>
@@ -2586,7 +2592,7 @@
           </a:lstStyle>
           <a:p>
             <a:r>
-              <a:rPr lang="en-US" smtClean="0"/>
+              <a:rPr lang="en-US"/>
               <a:t>Click icon to add picture</a:t>
             </a:r>
             <a:endParaRPr lang="en-US" dirty="0"/>
@@ -2654,7 +2660,7 @@
           <a:p>
             <a:pPr lvl="0"/>
             <a:r>
-              <a:rPr lang="en-US" smtClean="0"/>
+              <a:rPr lang="en-US"/>
               <a:t>Edit Master text styles</a:t>
             </a:r>
           </a:p>
@@ -2725,7 +2731,7 @@
           <a:p>
             <a:pPr lvl="0"/>
             <a:r>
-              <a:rPr lang="en-US" smtClean="0"/>
+              <a:rPr lang="en-US"/>
               <a:t>Edit Master text styles</a:t>
             </a:r>
           </a:p>
@@ -2803,7 +2809,7 @@
           </a:lstStyle>
           <a:p>
             <a:r>
-              <a:rPr lang="en-US" smtClean="0"/>
+              <a:rPr lang="en-US"/>
               <a:t>Click icon to add picture</a:t>
             </a:r>
             <a:endParaRPr lang="en-US" dirty="0"/>
@@ -2871,7 +2877,7 @@
           <a:p>
             <a:pPr lvl="0"/>
             <a:r>
-              <a:rPr lang="en-US" smtClean="0"/>
+              <a:rPr lang="en-US"/>
               <a:t>Edit Master text styles</a:t>
             </a:r>
           </a:p>
@@ -2894,7 +2900,7 @@
           <a:p>
             <a:fld id="{BB53B2B5-BB6F-44F1-B425-F34BF9B81B91}" type="datetimeFigureOut">
               <a:rPr lang="en-US" smtClean="0"/>
-              <a:t>5/13/2017</a:t>
+              <a:t>5/20/2017</a:t>
             </a:fld>
             <a:endParaRPr lang="en-US"/>
           </a:p>
@@ -2988,7 +2994,7 @@
           <a:lstStyle/>
           <a:p>
             <a:r>
-              <a:rPr lang="en-US" smtClean="0"/>
+              <a:rPr lang="en-US"/>
               <a:t>Click to edit Master title style</a:t>
             </a:r>
             <a:endParaRPr lang="en-US" dirty="0"/>
@@ -3012,35 +3018,35 @@
           <a:p>
             <a:pPr lvl="0"/>
             <a:r>
-              <a:rPr lang="en-US" smtClean="0"/>
+              <a:rPr lang="en-US"/>
               <a:t>Edit Master text styles</a:t>
             </a:r>
           </a:p>
           <a:p>
             <a:pPr lvl="1"/>
             <a:r>
-              <a:rPr lang="en-US" smtClean="0"/>
+              <a:rPr lang="en-US"/>
               <a:t>Second level</a:t>
             </a:r>
           </a:p>
           <a:p>
             <a:pPr lvl="2"/>
             <a:r>
-              <a:rPr lang="en-US" smtClean="0"/>
+              <a:rPr lang="en-US"/>
               <a:t>Third level</a:t>
             </a:r>
           </a:p>
           <a:p>
             <a:pPr lvl="3"/>
             <a:r>
-              <a:rPr lang="en-US" smtClean="0"/>
+              <a:rPr lang="en-US"/>
               <a:t>Fourth level</a:t>
             </a:r>
           </a:p>
           <a:p>
             <a:pPr lvl="4"/>
             <a:r>
-              <a:rPr lang="en-US" smtClean="0"/>
+              <a:rPr lang="en-US"/>
               <a:t>Fifth level</a:t>
             </a:r>
             <a:endParaRPr lang="en-US" dirty="0"/>
@@ -3064,7 +3070,7 @@
           <a:p>
             <a:fld id="{BB53B2B5-BB6F-44F1-B425-F34BF9B81B91}" type="datetimeFigureOut">
               <a:rPr lang="en-US" smtClean="0"/>
-              <a:t>5/13/2017</a:t>
+              <a:t>5/20/2017</a:t>
             </a:fld>
             <a:endParaRPr lang="en-US"/>
           </a:p>
@@ -3167,7 +3173,7 @@
           </a:lstStyle>
           <a:p>
             <a:r>
-              <a:rPr lang="en-US" smtClean="0"/>
+              <a:rPr lang="en-US"/>
               <a:t>Click to edit Master title style</a:t>
             </a:r>
             <a:endParaRPr lang="en-US" dirty="0"/>
@@ -3196,35 +3202,35 @@
           <a:p>
             <a:pPr lvl="0"/>
             <a:r>
-              <a:rPr lang="en-US" smtClean="0"/>
+              <a:rPr lang="en-US"/>
               <a:t>Edit Master text styles</a:t>
             </a:r>
           </a:p>
           <a:p>
             <a:pPr lvl="1"/>
             <a:r>
-              <a:rPr lang="en-US" smtClean="0"/>
+              <a:rPr lang="en-US"/>
               <a:t>Second level</a:t>
             </a:r>
           </a:p>
           <a:p>
             <a:pPr lvl="2"/>
             <a:r>
-              <a:rPr lang="en-US" smtClean="0"/>
+              <a:rPr lang="en-US"/>
               <a:t>Third level</a:t>
             </a:r>
           </a:p>
           <a:p>
             <a:pPr lvl="3"/>
             <a:r>
-              <a:rPr lang="en-US" smtClean="0"/>
+              <a:rPr lang="en-US"/>
               <a:t>Fourth level</a:t>
             </a:r>
           </a:p>
           <a:p>
             <a:pPr lvl="4"/>
             <a:r>
-              <a:rPr lang="en-US" smtClean="0"/>
+              <a:rPr lang="en-US"/>
               <a:t>Fifth level</a:t>
             </a:r>
             <a:endParaRPr lang="en-US" dirty="0"/>
@@ -3248,7 +3254,7 @@
           <a:p>
             <a:fld id="{BB53B2B5-BB6F-44F1-B425-F34BF9B81B91}" type="datetimeFigureOut">
               <a:rPr lang="en-US" smtClean="0"/>
-              <a:t>5/13/2017</a:t>
+              <a:t>5/20/2017</a:t>
             </a:fld>
             <a:endParaRPr lang="en-US"/>
           </a:p>
@@ -3342,7 +3348,7 @@
           <a:lstStyle/>
           <a:p>
             <a:r>
-              <a:rPr lang="en-US" smtClean="0"/>
+              <a:rPr lang="en-US"/>
               <a:t>Click to edit Master title style</a:t>
             </a:r>
             <a:endParaRPr lang="en-US" dirty="0"/>
@@ -3366,35 +3372,35 @@
           <a:p>
             <a:pPr lvl="0"/>
             <a:r>
-              <a:rPr lang="en-US" smtClean="0"/>
+              <a:rPr lang="en-US"/>
               <a:t>Edit Master text styles</a:t>
             </a:r>
           </a:p>
           <a:p>
             <a:pPr lvl="1"/>
             <a:r>
-              <a:rPr lang="en-US" smtClean="0"/>
+              <a:rPr lang="en-US"/>
               <a:t>Second level</a:t>
             </a:r>
           </a:p>
           <a:p>
             <a:pPr lvl="2"/>
             <a:r>
-              <a:rPr lang="en-US" smtClean="0"/>
+              <a:rPr lang="en-US"/>
               <a:t>Third level</a:t>
             </a:r>
           </a:p>
           <a:p>
             <a:pPr lvl="3"/>
             <a:r>
-              <a:rPr lang="en-US" smtClean="0"/>
+              <a:rPr lang="en-US"/>
               <a:t>Fourth level</a:t>
             </a:r>
           </a:p>
           <a:p>
             <a:pPr lvl="4"/>
             <a:r>
-              <a:rPr lang="en-US" smtClean="0"/>
+              <a:rPr lang="en-US"/>
               <a:t>Fifth level</a:t>
             </a:r>
             <a:endParaRPr lang="en-US" dirty="0"/>
@@ -3418,7 +3424,7 @@
           <a:p>
             <a:fld id="{BB53B2B5-BB6F-44F1-B425-F34BF9B81B91}" type="datetimeFigureOut">
               <a:rPr lang="en-US" smtClean="0"/>
-              <a:t>5/13/2017</a:t>
+              <a:t>5/20/2017</a:t>
             </a:fld>
             <a:endParaRPr lang="en-US"/>
           </a:p>
@@ -3521,7 +3527,7 @@
           </a:lstStyle>
           <a:p>
             <a:r>
-              <a:rPr lang="en-US" smtClean="0"/>
+              <a:rPr lang="en-US"/>
               <a:t>Click to edit Master title style</a:t>
             </a:r>
             <a:endParaRPr lang="en-US" dirty="0"/>
@@ -3639,7 +3645,7 @@
           <a:p>
             <a:pPr lvl="0"/>
             <a:r>
-              <a:rPr lang="en-US" smtClean="0"/>
+              <a:rPr lang="en-US"/>
               <a:t>Edit Master text styles</a:t>
             </a:r>
           </a:p>
@@ -3662,7 +3668,7 @@
           <a:p>
             <a:fld id="{BB53B2B5-BB6F-44F1-B425-F34BF9B81B91}" type="datetimeFigureOut">
               <a:rPr lang="en-US" smtClean="0"/>
-              <a:t>5/13/2017</a:t>
+              <a:t>5/20/2017</a:t>
             </a:fld>
             <a:endParaRPr lang="en-US"/>
           </a:p>
@@ -3756,7 +3762,7 @@
           <a:lstStyle/>
           <a:p>
             <a:r>
-              <a:rPr lang="en-US" smtClean="0"/>
+              <a:rPr lang="en-US"/>
               <a:t>Click to edit Master title style</a:t>
             </a:r>
             <a:endParaRPr lang="en-US" dirty="0"/>
@@ -3787,35 +3793,35 @@
           <a:p>
             <a:pPr lvl="0"/>
             <a:r>
-              <a:rPr lang="en-US" smtClean="0"/>
+              <a:rPr lang="en-US"/>
               <a:t>Edit Master text styles</a:t>
             </a:r>
           </a:p>
           <a:p>
             <a:pPr lvl="1"/>
             <a:r>
-              <a:rPr lang="en-US" smtClean="0"/>
+              <a:rPr lang="en-US"/>
               <a:t>Second level</a:t>
             </a:r>
           </a:p>
           <a:p>
             <a:pPr lvl="2"/>
             <a:r>
-              <a:rPr lang="en-US" smtClean="0"/>
+              <a:rPr lang="en-US"/>
               <a:t>Third level</a:t>
             </a:r>
           </a:p>
           <a:p>
             <a:pPr lvl="3"/>
             <a:r>
-              <a:rPr lang="en-US" smtClean="0"/>
+              <a:rPr lang="en-US"/>
               <a:t>Fourth level</a:t>
             </a:r>
           </a:p>
           <a:p>
             <a:pPr lvl="4"/>
             <a:r>
-              <a:rPr lang="en-US" smtClean="0"/>
+              <a:rPr lang="en-US"/>
               <a:t>Fifth level</a:t>
             </a:r>
             <a:endParaRPr lang="en-US" dirty="0"/>
@@ -3846,35 +3852,35 @@
           <a:p>
             <a:pPr lvl="0"/>
             <a:r>
-              <a:rPr lang="en-US" smtClean="0"/>
+              <a:rPr lang="en-US"/>
               <a:t>Edit Master text styles</a:t>
             </a:r>
           </a:p>
           <a:p>
             <a:pPr lvl="1"/>
             <a:r>
-              <a:rPr lang="en-US" smtClean="0"/>
+              <a:rPr lang="en-US"/>
               <a:t>Second level</a:t>
             </a:r>
           </a:p>
           <a:p>
             <a:pPr lvl="2"/>
             <a:r>
-              <a:rPr lang="en-US" smtClean="0"/>
+              <a:rPr lang="en-US"/>
               <a:t>Third level</a:t>
             </a:r>
           </a:p>
           <a:p>
             <a:pPr lvl="3"/>
             <a:r>
-              <a:rPr lang="en-US" smtClean="0"/>
+              <a:rPr lang="en-US"/>
               <a:t>Fourth level</a:t>
             </a:r>
           </a:p>
           <a:p>
             <a:pPr lvl="4"/>
             <a:r>
-              <a:rPr lang="en-US" smtClean="0"/>
+              <a:rPr lang="en-US"/>
               <a:t>Fifth level</a:t>
             </a:r>
             <a:endParaRPr lang="en-US" dirty="0"/>
@@ -3898,7 +3904,7 @@
           <a:p>
             <a:fld id="{BB53B2B5-BB6F-44F1-B425-F34BF9B81B91}" type="datetimeFigureOut">
               <a:rPr lang="en-US" smtClean="0"/>
-              <a:t>5/13/2017</a:t>
+              <a:t>5/20/2017</a:t>
             </a:fld>
             <a:endParaRPr lang="en-US"/>
           </a:p>
@@ -4056,7 +4062,7 @@
           </a:lstStyle>
           <a:p>
             <a:r>
-              <a:rPr lang="en-US" smtClean="0"/>
+              <a:rPr lang="en-US"/>
               <a:t>Click to edit Master title style</a:t>
             </a:r>
             <a:endParaRPr lang="en-US" dirty="0"/>
@@ -4124,7 +4130,7 @@
           <a:p>
             <a:pPr lvl="0"/>
             <a:r>
-              <a:rPr lang="en-US" smtClean="0"/>
+              <a:rPr lang="en-US"/>
               <a:t>Edit Master text styles</a:t>
             </a:r>
           </a:p>
@@ -4170,35 +4176,35 @@
           <a:p>
             <a:pPr lvl="0"/>
             <a:r>
-              <a:rPr lang="en-US" smtClean="0"/>
+              <a:rPr lang="en-US"/>
               <a:t>Edit Master text styles</a:t>
             </a:r>
           </a:p>
           <a:p>
             <a:pPr lvl="1"/>
             <a:r>
-              <a:rPr lang="en-US" smtClean="0"/>
+              <a:rPr lang="en-US"/>
               <a:t>Second level</a:t>
             </a:r>
           </a:p>
           <a:p>
             <a:pPr lvl="2"/>
             <a:r>
-              <a:rPr lang="en-US" smtClean="0"/>
+              <a:rPr lang="en-US"/>
               <a:t>Third level</a:t>
             </a:r>
           </a:p>
           <a:p>
             <a:pPr lvl="3"/>
             <a:r>
-              <a:rPr lang="en-US" smtClean="0"/>
+              <a:rPr lang="en-US"/>
               <a:t>Fourth level</a:t>
             </a:r>
           </a:p>
           <a:p>
             <a:pPr lvl="4"/>
             <a:r>
-              <a:rPr lang="en-US" smtClean="0"/>
+              <a:rPr lang="en-US"/>
               <a:t>Fifth level</a:t>
             </a:r>
             <a:endParaRPr lang="en-US" dirty="0"/>
@@ -4266,7 +4272,7 @@
           <a:p>
             <a:pPr lvl="0"/>
             <a:r>
-              <a:rPr lang="en-US" smtClean="0"/>
+              <a:rPr lang="en-US"/>
               <a:t>Edit Master text styles</a:t>
             </a:r>
           </a:p>
@@ -4312,35 +4318,35 @@
           <a:p>
             <a:pPr lvl="0"/>
             <a:r>
-              <a:rPr lang="en-US" smtClean="0"/>
+              <a:rPr lang="en-US"/>
               <a:t>Edit Master text styles</a:t>
             </a:r>
           </a:p>
           <a:p>
             <a:pPr lvl="1"/>
             <a:r>
-              <a:rPr lang="en-US" smtClean="0"/>
+              <a:rPr lang="en-US"/>
               <a:t>Second level</a:t>
             </a:r>
           </a:p>
           <a:p>
             <a:pPr lvl="2"/>
             <a:r>
-              <a:rPr lang="en-US" smtClean="0"/>
+              <a:rPr lang="en-US"/>
               <a:t>Third level</a:t>
             </a:r>
           </a:p>
           <a:p>
             <a:pPr lvl="3"/>
             <a:r>
-              <a:rPr lang="en-US" smtClean="0"/>
+              <a:rPr lang="en-US"/>
               <a:t>Fourth level</a:t>
             </a:r>
           </a:p>
           <a:p>
             <a:pPr lvl="4"/>
             <a:r>
-              <a:rPr lang="en-US" smtClean="0"/>
+              <a:rPr lang="en-US"/>
               <a:t>Fifth level</a:t>
             </a:r>
             <a:endParaRPr lang="en-US" dirty="0"/>
@@ -4364,7 +4370,7 @@
           <a:p>
             <a:fld id="{BB53B2B5-BB6F-44F1-B425-F34BF9B81B91}" type="datetimeFigureOut">
               <a:rPr lang="en-US" smtClean="0"/>
-              <a:t>5/13/2017</a:t>
+              <a:t>5/20/2017</a:t>
             </a:fld>
             <a:endParaRPr lang="en-US"/>
           </a:p>
@@ -4458,7 +4464,7 @@
           <a:lstStyle/>
           <a:p>
             <a:r>
-              <a:rPr lang="en-US" smtClean="0"/>
+              <a:rPr lang="en-US"/>
               <a:t>Click to edit Master title style</a:t>
             </a:r>
             <a:endParaRPr lang="en-US" dirty="0"/>
@@ -4482,7 +4488,7 @@
           <a:p>
             <a:fld id="{BB53B2B5-BB6F-44F1-B425-F34BF9B81B91}" type="datetimeFigureOut">
               <a:rPr lang="en-US" smtClean="0"/>
-              <a:t>5/13/2017</a:t>
+              <a:t>5/20/2017</a:t>
             </a:fld>
             <a:endParaRPr lang="en-US"/>
           </a:p>
@@ -4577,7 +4583,7 @@
           <a:p>
             <a:fld id="{BB53B2B5-BB6F-44F1-B425-F34BF9B81B91}" type="datetimeFigureOut">
               <a:rPr lang="en-US" smtClean="0"/>
-              <a:t>5/13/2017</a:t>
+              <a:t>5/20/2017</a:t>
             </a:fld>
             <a:endParaRPr lang="en-US"/>
           </a:p>
@@ -4682,7 +4688,7 @@
           </a:lstStyle>
           <a:p>
             <a:r>
-              <a:rPr lang="en-US" smtClean="0"/>
+              <a:rPr lang="en-US"/>
               <a:t>Click to edit Master title style</a:t>
             </a:r>
             <a:endParaRPr lang="en-US" dirty="0"/>
@@ -4713,35 +4719,35 @@
           <a:p>
             <a:pPr lvl="0"/>
             <a:r>
-              <a:rPr lang="en-US" smtClean="0"/>
+              <a:rPr lang="en-US"/>
               <a:t>Edit Master text styles</a:t>
             </a:r>
           </a:p>
           <a:p>
             <a:pPr lvl="1"/>
             <a:r>
-              <a:rPr lang="en-US" smtClean="0"/>
+              <a:rPr lang="en-US"/>
               <a:t>Second level</a:t>
             </a:r>
           </a:p>
           <a:p>
             <a:pPr lvl="2"/>
             <a:r>
-              <a:rPr lang="en-US" smtClean="0"/>
+              <a:rPr lang="en-US"/>
               <a:t>Third level</a:t>
             </a:r>
           </a:p>
           <a:p>
             <a:pPr lvl="3"/>
             <a:r>
-              <a:rPr lang="en-US" smtClean="0"/>
+              <a:rPr lang="en-US"/>
               <a:t>Fourth level</a:t>
             </a:r>
           </a:p>
           <a:p>
             <a:pPr lvl="4"/>
             <a:r>
-              <a:rPr lang="en-US" smtClean="0"/>
+              <a:rPr lang="en-US"/>
               <a:t>Fifth level</a:t>
             </a:r>
             <a:endParaRPr lang="en-US" dirty="0"/>
@@ -4809,7 +4815,7 @@
           <a:p>
             <a:pPr lvl="0"/>
             <a:r>
-              <a:rPr lang="en-US" smtClean="0"/>
+              <a:rPr lang="en-US"/>
               <a:t>Edit Master text styles</a:t>
             </a:r>
           </a:p>
@@ -4832,7 +4838,7 @@
           <a:p>
             <a:fld id="{BB53B2B5-BB6F-44F1-B425-F34BF9B81B91}" type="datetimeFigureOut">
               <a:rPr lang="en-US" smtClean="0"/>
-              <a:t>5/13/2017</a:t>
+              <a:t>5/20/2017</a:t>
             </a:fld>
             <a:endParaRPr lang="en-US"/>
           </a:p>
@@ -4967,7 +4973,7 @@
           </a:lstStyle>
           <a:p>
             <a:r>
-              <a:rPr lang="en-US" smtClean="0"/>
+              <a:rPr lang="en-US"/>
               <a:t>Click to edit Master title style</a:t>
             </a:r>
             <a:endParaRPr lang="en-US" dirty="0"/>
@@ -5041,7 +5047,7 @@
           </a:lstStyle>
           <a:p>
             <a:r>
-              <a:rPr lang="en-US" smtClean="0"/>
+              <a:rPr lang="en-US"/>
               <a:t>Click icon to add picture</a:t>
             </a:r>
             <a:endParaRPr lang="en-US" dirty="0"/>
@@ -5109,7 +5115,7 @@
           <a:p>
             <a:pPr lvl="0"/>
             <a:r>
-              <a:rPr lang="en-US" smtClean="0"/>
+              <a:rPr lang="en-US"/>
               <a:t>Edit Master text styles</a:t>
             </a:r>
           </a:p>
@@ -5132,7 +5138,7 @@
           <a:p>
             <a:fld id="{BB53B2B5-BB6F-44F1-B425-F34BF9B81B91}" type="datetimeFigureOut">
               <a:rPr lang="en-US" smtClean="0"/>
-              <a:t>5/13/2017</a:t>
+              <a:t>5/20/2017</a:t>
             </a:fld>
             <a:endParaRPr lang="en-US"/>
           </a:p>
@@ -5248,7 +5254,7 @@
           <a:lstStyle/>
           <a:p>
             <a:r>
-              <a:rPr lang="en-US" smtClean="0"/>
+              <a:rPr lang="en-US"/>
               <a:t>Click to edit Master title style</a:t>
             </a:r>
             <a:endParaRPr lang="en-US" dirty="0"/>
@@ -5289,35 +5295,35 @@
           <a:p>
             <a:pPr lvl="0"/>
             <a:r>
-              <a:rPr lang="en-US" smtClean="0"/>
+              <a:rPr lang="en-US"/>
               <a:t>Edit Master text styles</a:t>
             </a:r>
           </a:p>
           <a:p>
             <a:pPr lvl="1"/>
             <a:r>
-              <a:rPr lang="en-US" smtClean="0"/>
+              <a:rPr lang="en-US"/>
               <a:t>Second level</a:t>
             </a:r>
           </a:p>
           <a:p>
             <a:pPr lvl="2"/>
             <a:r>
-              <a:rPr lang="en-US" smtClean="0"/>
+              <a:rPr lang="en-US"/>
               <a:t>Third level</a:t>
             </a:r>
           </a:p>
           <a:p>
             <a:pPr lvl="3"/>
             <a:r>
-              <a:rPr lang="en-US" smtClean="0"/>
+              <a:rPr lang="en-US"/>
               <a:t>Fourth level</a:t>
             </a:r>
           </a:p>
           <a:p>
             <a:pPr lvl="4"/>
             <a:r>
-              <a:rPr lang="en-US" smtClean="0"/>
+              <a:rPr lang="en-US"/>
               <a:t>Fifth level</a:t>
             </a:r>
             <a:endParaRPr lang="en-US" dirty="0"/>
@@ -5366,7 +5372,7 @@
           <a:p>
             <a:fld id="{BB53B2B5-BB6F-44F1-B425-F34BF9B81B91}" type="datetimeFigureOut">
               <a:rPr lang="en-US" smtClean="0"/>
-              <a:t>5/13/2017</a:t>
+              <a:t>5/20/2017</a:t>
             </a:fld>
             <a:endParaRPr lang="en-US"/>
           </a:p>
@@ -6095,13 +6101,6 @@
   <p:clrMapOvr>
     <a:masterClrMapping/>
   </p:clrMapOvr>
-  <p:timing>
-    <p:tnLst>
-      <p:par>
-        <p:cTn id="1" dur="indefinite" restart="never" nodeType="tmRoot"/>
-      </p:par>
-    </p:tnLst>
-  </p:timing>
 </p:sld>
 </file>
 
@@ -6290,13 +6289,6 @@
   <p:clrMapOvr>
     <a:masterClrMapping/>
   </p:clrMapOvr>
-  <p:timing>
-    <p:tnLst>
-      <p:par>
-        <p:cTn id="1" dur="indefinite" restart="never" nodeType="tmRoot"/>
-      </p:par>
-    </p:tnLst>
-  </p:timing>
 </p:sld>
 </file>
 
@@ -6842,13 +6834,6 @@
   <p:clrMapOvr>
     <a:masterClrMapping/>
   </p:clrMapOvr>
-  <p:timing>
-    <p:tnLst>
-      <p:par>
-        <p:cTn id="1" dur="indefinite" restart="never" nodeType="tmRoot"/>
-      </p:par>
-    </p:tnLst>
-  </p:timing>
 </p:sld>
 </file>
 
@@ -7397,13 +7382,6 @@
   <p:clrMapOvr>
     <a:masterClrMapping/>
   </p:clrMapOvr>
-  <p:timing>
-    <p:tnLst>
-      <p:par>
-        <p:cTn id="1" dur="indefinite" restart="never" nodeType="tmRoot"/>
-      </p:par>
-    </p:tnLst>
-  </p:timing>
 </p:sld>
 </file>
 
@@ -7502,10 +7480,6 @@
                 <a:effectLst/>
               </a:rPr>
               <a:t> </a:t>
-            </a:r>
-            <a:r>
-              <a:rPr lang="en-US" dirty="0"/>
-              <a:t/>
             </a:r>
             <a:br>
               <a:rPr lang="en-US" dirty="0"/>
@@ -7548,13 +7522,6 @@
   <p:clrMapOvr>
     <a:masterClrMapping/>
   </p:clrMapOvr>
-  <p:timing>
-    <p:tnLst>
-      <p:par>
-        <p:cTn id="1" dur="indefinite" restart="never" nodeType="tmRoot"/>
-      </p:par>
-    </p:tnLst>
-  </p:timing>
 </p:sld>
 </file>
 
@@ -7697,13 +7664,6 @@
   <p:clrMapOvr>
     <a:masterClrMapping/>
   </p:clrMapOvr>
-  <p:timing>
-    <p:tnLst>
-      <p:par>
-        <p:cTn id="1" dur="indefinite" restart="never" nodeType="tmRoot"/>
-      </p:par>
-    </p:tnLst>
-  </p:timing>
 </p:sld>
 </file>
 
@@ -7741,15 +7701,7 @@
           <a:p>
             <a:r>
               <a:rPr lang="en-US"/>
-              <a:t>Cài </a:t>
-            </a:r>
-            <a:r>
-              <a:rPr lang="en-US"/>
-              <a:t>đặt </a:t>
-            </a:r>
-            <a:r>
-              <a:rPr lang="en-US" smtClean="0"/>
-              <a:t>VirtualHost với XAMPP</a:t>
+              <a:t>Cài đặt VirtualHost với XAMPP</a:t>
             </a:r>
             <a:endParaRPr lang="en-US" dirty="0"/>
           </a:p>
@@ -7771,13 +7723,13 @@
           <a:lstStyle/>
           <a:p>
             <a:r>
-              <a:rPr lang="en-US" smtClean="0"/>
+              <a:rPr lang="en-US"/>
               <a:t>Kiểm tra xem XAMPP có đang dùng port 80</a:t>
             </a:r>
           </a:p>
           <a:p>
             <a:r>
-              <a:rPr lang="en-US" smtClean="0"/>
+              <a:rPr lang="en-US"/>
               <a:t>Nếu là port khác thì không thể tạo VirtualHost</a:t>
             </a:r>
             <a:endParaRPr lang="en-US" dirty="0"/>
@@ -7827,13 +7779,6 @@
   <p:clrMapOvr>
     <a:masterClrMapping/>
   </p:clrMapOvr>
-  <p:timing>
-    <p:tnLst>
-      <p:par>
-        <p:cTn id="1" dur="indefinite" restart="never" nodeType="tmRoot"/>
-      </p:par>
-    </p:tnLst>
-  </p:timing>
 </p:sld>
 </file>
 
@@ -7871,15 +7816,7 @@
           <a:p>
             <a:r>
               <a:rPr lang="en-US"/>
-              <a:t>Cài </a:t>
-            </a:r>
-            <a:r>
-              <a:rPr lang="en-US"/>
-              <a:t>đặt </a:t>
-            </a:r>
-            <a:r>
-              <a:rPr lang="en-US" smtClean="0"/>
-              <a:t>VirtualHost với XAMPP</a:t>
+              <a:t>Cài đặt VirtualHost với XAMPP</a:t>
             </a:r>
             <a:endParaRPr lang="en-US" dirty="0"/>
           </a:p>
@@ -7901,7 +7838,7 @@
           <a:lstStyle/>
           <a:p>
             <a:r>
-              <a:rPr lang="en-US" smtClean="0"/>
+              <a:rPr lang="en-US"/>
               <a:t>Cấp quyền cho phép chỉnh sửa file host</a:t>
             </a:r>
           </a:p>
@@ -7953,13 +7890,6 @@
   <p:clrMapOvr>
     <a:masterClrMapping/>
   </p:clrMapOvr>
-  <p:timing>
-    <p:tnLst>
-      <p:par>
-        <p:cTn id="1" dur="indefinite" restart="never" nodeType="tmRoot"/>
-      </p:par>
-    </p:tnLst>
-  </p:timing>
 </p:sld>
 </file>
 
@@ -7997,15 +7927,7 @@
           <a:p>
             <a:r>
               <a:rPr lang="en-US"/>
-              <a:t>Cài </a:t>
-            </a:r>
-            <a:r>
-              <a:rPr lang="en-US"/>
-              <a:t>đặt </a:t>
-            </a:r>
-            <a:r>
-              <a:rPr lang="en-US" smtClean="0"/>
-              <a:t>VirtualHost với XAMPP</a:t>
+              <a:t>Cài đặt VirtualHost với XAMPP</a:t>
             </a:r>
             <a:endParaRPr lang="en-US" dirty="0"/>
           </a:p>
@@ -8027,24 +7949,75 @@
           <a:lstStyle/>
           <a:p>
             <a:r>
-              <a:rPr lang="en-US" smtClean="0"/>
-              <a:t>Thêm đường dẫn host mà bạn muốn sử dụng:</a:t>
-            </a:r>
-          </a:p>
-          <a:p>
-            <a:r>
-              <a:rPr lang="en-US"/>
-              <a:t>VD: </a:t>
-            </a:r>
-            <a:r>
-              <a:rPr lang="en-US"/>
-              <a:t>127.0.0.1 </a:t>
-            </a:r>
-            <a:r>
-              <a:rPr lang="en-US" smtClean="0"/>
-              <a:t>yii2.com</a:t>
-            </a:r>
-            <a:endParaRPr lang="en-US"/>
+              <a:rPr lang="en-US" dirty="0" err="1"/>
+              <a:t>Thêm</a:t>
+            </a:r>
+            <a:r>
+              <a:rPr lang="en-US" dirty="0"/>
+              <a:t> </a:t>
+            </a:r>
+            <a:r>
+              <a:rPr lang="en-US" dirty="0" err="1"/>
+              <a:t>đường</a:t>
+            </a:r>
+            <a:r>
+              <a:rPr lang="en-US" dirty="0"/>
+              <a:t> </a:t>
+            </a:r>
+            <a:r>
+              <a:rPr lang="en-US" dirty="0" err="1"/>
+              <a:t>dẫn</a:t>
+            </a:r>
+            <a:r>
+              <a:rPr lang="en-US" dirty="0"/>
+              <a:t> host </a:t>
+            </a:r>
+            <a:r>
+              <a:rPr lang="en-US" dirty="0" err="1"/>
+              <a:t>mà</a:t>
+            </a:r>
+            <a:r>
+              <a:rPr lang="en-US" dirty="0"/>
+              <a:t> </a:t>
+            </a:r>
+            <a:r>
+              <a:rPr lang="en-US" dirty="0" err="1"/>
+              <a:t>bạn</a:t>
+            </a:r>
+            <a:r>
+              <a:rPr lang="en-US" dirty="0"/>
+              <a:t> </a:t>
+            </a:r>
+            <a:r>
+              <a:rPr lang="en-US" dirty="0" err="1"/>
+              <a:t>muốn</a:t>
+            </a:r>
+            <a:r>
+              <a:rPr lang="en-US" dirty="0"/>
+              <a:t> </a:t>
+            </a:r>
+            <a:r>
+              <a:rPr lang="en-US" dirty="0" err="1"/>
+              <a:t>sử</a:t>
+            </a:r>
+            <a:r>
+              <a:rPr lang="en-US" dirty="0"/>
+              <a:t> </a:t>
+            </a:r>
+            <a:r>
+              <a:rPr lang="en-US" dirty="0" err="1"/>
+              <a:t>dụng</a:t>
+            </a:r>
+            <a:r>
+              <a:rPr lang="en-US" dirty="0"/>
+              <a:t>:</a:t>
+            </a:r>
+          </a:p>
+          <a:p>
+            <a:r>
+              <a:rPr lang="en-US" dirty="0"/>
+              <a:t>VD: 127.0.0.1 yii2.com</a:t>
+            </a:r>
           </a:p>
         </p:txBody>
       </p:sp>
@@ -8088,13 +8061,6 @@
   <p:clrMapOvr>
     <a:masterClrMapping/>
   </p:clrMapOvr>
-  <p:timing>
-    <p:tnLst>
-      <p:par>
-        <p:cTn id="1" dur="indefinite" restart="never" nodeType="tmRoot"/>
-      </p:par>
-    </p:tnLst>
-  </p:timing>
 </p:sld>
 </file>
 
@@ -8132,15 +8098,7 @@
           <a:p>
             <a:r>
               <a:rPr lang="en-US"/>
-              <a:t>Cài </a:t>
-            </a:r>
-            <a:r>
-              <a:rPr lang="en-US"/>
-              <a:t>đặt </a:t>
-            </a:r>
-            <a:r>
-              <a:rPr lang="en-US" smtClean="0"/>
-              <a:t>VirtualHost với XAMPP</a:t>
+              <a:t>Cài đặt VirtualHost với XAMPP</a:t>
             </a:r>
             <a:endParaRPr lang="en-US" dirty="0"/>
           </a:p>
@@ -8158,26 +8116,52 @@
         </p:nvSpPr>
         <p:spPr/>
         <p:txBody>
-          <a:bodyPr/>
+          <a:bodyPr>
+            <a:normAutofit fontScale="85000" lnSpcReduction="20000"/>
+          </a:bodyPr>
           <a:lstStyle/>
           <a:p>
             <a:r>
-              <a:rPr lang="en-US"/>
-              <a:t>Mở file C</a:t>
-            </a:r>
-            <a:r>
-              <a:rPr lang="en-US"/>
-              <a:t>:\</a:t>
-            </a:r>
-            <a:r>
-              <a:rPr lang="en-US" smtClean="0"/>
-              <a:t>xampp\apache\conf\extra\httpd-vhosts.conf</a:t>
-            </a:r>
-          </a:p>
-          <a:p>
-            <a:r>
-              <a:rPr lang="en-US" smtClean="0"/>
-              <a:t>Thêm đoạn code này vào :</a:t>
+              <a:rPr lang="en-US" dirty="0" err="1"/>
+              <a:t>Mở</a:t>
+            </a:r>
+            <a:r>
+              <a:rPr lang="en-US" dirty="0"/>
+              <a:t> file C:\xampp\apache\conf\extra\httpd-vhosts.conf</a:t>
+            </a:r>
+          </a:p>
+          <a:p>
+            <a:r>
+              <a:rPr lang="en-US" dirty="0" err="1"/>
+              <a:t>Thêm</a:t>
+            </a:r>
+            <a:r>
+              <a:rPr lang="en-US" dirty="0"/>
+              <a:t> </a:t>
+            </a:r>
+            <a:r>
+              <a:rPr lang="en-US" dirty="0" err="1"/>
+              <a:t>đoạn</a:t>
+            </a:r>
+            <a:r>
+              <a:rPr lang="en-US" dirty="0"/>
+              <a:t> code </a:t>
+            </a:r>
+            <a:r>
+              <a:rPr lang="en-US" dirty="0" err="1"/>
+              <a:t>này</a:t>
+            </a:r>
+            <a:r>
+              <a:rPr lang="en-US" dirty="0"/>
+              <a:t> </a:t>
+            </a:r>
+            <a:r>
+              <a:rPr lang="en-US" dirty="0" err="1"/>
+              <a:t>vào</a:t>
+            </a:r>
+            <a:r>
+              <a:rPr lang="en-US" dirty="0"/>
+              <a:t> :</a:t>
             </a:r>
           </a:p>
           <a:p>
@@ -8185,72 +8169,84 @@
               <a:buNone/>
             </a:pPr>
             <a:r>
-              <a:rPr lang="en-US" sz="1600" b="1"/>
+              <a:rPr lang="en-US" sz="1600" b="1" dirty="0"/>
               <a:t>&lt;</a:t>
             </a:r>
             <a:r>
-              <a:rPr lang="en-US" sz="1600" b="1"/>
-              <a:t>VirtualHost </a:t>
-            </a:r>
-            <a:r>
-              <a:rPr lang="en-US" sz="1600" b="1"/>
-              <a:t>yii2.com:80&gt;</a:t>
-            </a:r>
-          </a:p>
-          <a:p>
-            <a:pPr marL="1116000" lvl="3" indent="0">
+              <a:rPr lang="en-US" sz="1600" b="1" dirty="0" err="1"/>
+              <a:t>VirtualHost</a:t>
+            </a:r>
+            <a:r>
+              <a:rPr lang="en-US" sz="1600" b="1" dirty="0"/>
+              <a:t> *:80&gt;</a:t>
+            </a:r>
+          </a:p>
+          <a:p>
+            <a:pPr marL="450000" lvl="1" indent="0">
               <a:buNone/>
             </a:pPr>
             <a:r>
-              <a:rPr lang="en-US" sz="1600" b="1" smtClean="0"/>
-              <a:t>ServerAdmin </a:t>
-            </a:r>
-            <a:r>
-              <a:rPr lang="en-US" sz="1600" b="1"/>
-              <a:t>admin@gmail.com</a:t>
-            </a:r>
-          </a:p>
-          <a:p>
-            <a:pPr marL="1116000" lvl="3" indent="0">
+              <a:rPr lang="en-US" sz="1600" b="1" dirty="0"/>
+              <a:t>    </a:t>
+            </a:r>
+            <a:r>
+              <a:rPr lang="en-US" sz="1600" b="1" dirty="0" err="1"/>
+              <a:t>DocumentRoot</a:t>
+            </a:r>
+            <a:r>
+              <a:rPr lang="en-US" sz="1600" b="1" dirty="0"/>
+              <a:t> "C:\xampp\htdocs\yii2adv"</a:t>
+            </a:r>
+          </a:p>
+          <a:p>
+            <a:pPr marL="450000" lvl="1" indent="0">
               <a:buNone/>
             </a:pPr>
             <a:r>
-              <a:rPr lang="en-US" sz="1600" b="1" smtClean="0"/>
-              <a:t>DocumentRoot </a:t>
-            </a:r>
-            <a:r>
-              <a:rPr lang="en-US" sz="1600" b="1"/>
-              <a:t>"C</a:t>
-            </a:r>
-            <a:r>
-              <a:rPr lang="en-US" sz="1600" b="1"/>
-              <a:t>:/</a:t>
-            </a:r>
-            <a:r>
-              <a:rPr lang="en-US" sz="1600" b="1" smtClean="0"/>
-              <a:t>xampp/htdocs/yii2adv/frontend/web</a:t>
-            </a:r>
-            <a:r>
-              <a:rPr lang="en-US" sz="1600" b="1"/>
-              <a:t>"</a:t>
-            </a:r>
-          </a:p>
-          <a:p>
-            <a:pPr marL="1116000" lvl="3" indent="0">
+              <a:rPr lang="en-US" sz="1600" b="1" dirty="0"/>
+              <a:t>        </a:t>
+            </a:r>
+            <a:r>
+              <a:rPr lang="en-US" sz="1600" b="1" dirty="0" err="1"/>
+              <a:t>ServerName</a:t>
+            </a:r>
+            <a:r>
+              <a:rPr lang="en-US" sz="1600" b="1" dirty="0"/>
+              <a:t> yii2.com</a:t>
+            </a:r>
+          </a:p>
+          <a:p>
+            <a:pPr marL="450000" lvl="1" indent="0">
               <a:buNone/>
             </a:pPr>
             <a:r>
-              <a:rPr lang="en-US" sz="1600" b="1"/>
-              <a:t>ServerName yii2.com</a:t>
-            </a:r>
-          </a:p>
-          <a:p>
-            <a:pPr marL="1116000" lvl="3" indent="0">
+              <a:rPr lang="en-US" sz="1600" b="1" dirty="0"/>
+              <a:t>    </a:t>
+            </a:r>
+            <a:r>
+              <a:rPr lang="en-US" sz="1600" b="1" dirty="0" err="1"/>
+              <a:t>ErrorLog</a:t>
+            </a:r>
+            <a:r>
+              <a:rPr lang="en-US" sz="1600" b="1" dirty="0"/>
+              <a:t> "logs/study-yii2_error.log"</a:t>
+            </a:r>
+          </a:p>
+          <a:p>
+            <a:pPr marL="450000" lvl="1" indent="0">
               <a:buNone/>
             </a:pPr>
             <a:r>
-              <a:rPr lang="en-US" sz="1600" b="1"/>
-              <a:t>ServerAlias www. yii2.com</a:t>
+              <a:rPr lang="en-US" sz="1600" b="1" dirty="0"/>
+              <a:t>    </a:t>
+            </a:r>
+            <a:r>
+              <a:rPr lang="en-US" sz="1600" b="1" dirty="0" err="1"/>
+              <a:t>CustomLog</a:t>
+            </a:r>
+            <a:r>
+              <a:rPr lang="en-US" sz="1600" b="1" dirty="0"/>
+              <a:t> "logs/study-yii2_access.log" combined</a:t>
             </a:r>
           </a:p>
           <a:p>
@@ -8258,16 +8254,107 @@
               <a:buNone/>
             </a:pPr>
             <a:r>
-              <a:rPr lang="en-US" sz="1600" b="1" smtClean="0"/>
-              <a:t>&lt;/VirtualHost&gt;</a:t>
-            </a:r>
-          </a:p>
-          <a:p>
-            <a:r>
-              <a:rPr lang="en-US" smtClean="0"/>
-              <a:t>Khởi động lại XAMPP</a:t>
-            </a:r>
-            <a:endParaRPr lang="en-US"/>
+              <a:rPr lang="en-US" sz="1600" b="1" dirty="0"/>
+              <a:t>    &lt;Directory "C:\xampp\htdocs\yii2adv\"&gt;</a:t>
+            </a:r>
+          </a:p>
+          <a:p>
+            <a:pPr marL="450000" lvl="1" indent="0">
+              <a:buNone/>
+            </a:pPr>
+            <a:r>
+              <a:rPr lang="en-US" sz="1600" b="1" dirty="0"/>
+              <a:t>        Options </a:t>
+            </a:r>
+            <a:r>
+              <a:rPr lang="en-US" sz="1600" b="1" dirty="0" err="1"/>
+              <a:t>FollowSymLinks</a:t>
+            </a:r>
+            <a:r>
+              <a:rPr lang="en-US" sz="1600" b="1" dirty="0"/>
+              <a:t> Includes </a:t>
+            </a:r>
+            <a:r>
+              <a:rPr lang="en-US" sz="1600" b="1" dirty="0" err="1"/>
+              <a:t>ExecCGI</a:t>
+            </a:r>
+            <a:endParaRPr lang="en-US" sz="1600" b="1" dirty="0"/>
+          </a:p>
+          <a:p>
+            <a:pPr marL="450000" lvl="1" indent="0">
+              <a:buNone/>
+            </a:pPr>
+            <a:r>
+              <a:rPr lang="en-US" sz="1600" b="1" dirty="0"/>
+              <a:t>        </a:t>
+            </a:r>
+            <a:r>
+              <a:rPr lang="en-US" sz="1600" b="1" dirty="0" err="1"/>
+              <a:t>AllowOverride</a:t>
+            </a:r>
+            <a:r>
+              <a:rPr lang="en-US" sz="1600" b="1" dirty="0"/>
+              <a:t> All</a:t>
+            </a:r>
+          </a:p>
+          <a:p>
+            <a:pPr marL="450000" lvl="1" indent="0">
+              <a:buNone/>
+            </a:pPr>
+            <a:r>
+              <a:rPr lang="en-US" sz="1600" b="1" dirty="0"/>
+              <a:t>        Require all granted</a:t>
+            </a:r>
+          </a:p>
+          <a:p>
+            <a:pPr marL="450000" lvl="1" indent="0">
+              <a:buNone/>
+            </a:pPr>
+            <a:r>
+              <a:rPr lang="en-US" sz="1600" b="1" dirty="0"/>
+              <a:t>    &lt;/Directory&gt;</a:t>
+            </a:r>
+          </a:p>
+          <a:p>
+            <a:pPr marL="450000" lvl="1" indent="0">
+              <a:buNone/>
+            </a:pPr>
+            <a:r>
+              <a:rPr lang="en-US" sz="1600" b="1" dirty="0"/>
+              <a:t>&lt;/</a:t>
+            </a:r>
+            <a:r>
+              <a:rPr lang="en-US" sz="1600" b="1" dirty="0" err="1"/>
+              <a:t>VirtualHost</a:t>
+            </a:r>
+            <a:r>
+              <a:rPr lang="en-US" sz="1600" b="1" dirty="0"/>
+              <a:t>&gt; </a:t>
+            </a:r>
+            <a:r>
+              <a:rPr lang="en-US" dirty="0" err="1"/>
+              <a:t>Khởi</a:t>
+            </a:r>
+            <a:r>
+              <a:rPr lang="en-US" dirty="0"/>
+              <a:t> </a:t>
+            </a:r>
+            <a:r>
+              <a:rPr lang="en-US" dirty="0" err="1"/>
+              <a:t>động</a:t>
+            </a:r>
+            <a:r>
+              <a:rPr lang="en-US" dirty="0"/>
+              <a:t> </a:t>
+            </a:r>
+            <a:r>
+              <a:rPr lang="en-US" dirty="0" err="1"/>
+              <a:t>lại</a:t>
+            </a:r>
+            <a:r>
+              <a:rPr lang="en-US" dirty="0"/>
+              <a:t> XAMPP</a:t>
+            </a:r>
           </a:p>
         </p:txBody>
       </p:sp>
@@ -8281,13 +8368,294 @@
   <p:clrMapOvr>
     <a:masterClrMapping/>
   </p:clrMapOvr>
-  <p:timing>
-    <p:tnLst>
-      <p:par>
-        <p:cTn id="1" dur="indefinite" restart="never" nodeType="tmRoot"/>
-      </p:par>
-    </p:tnLst>
-  </p:timing>
+</p:sld>
+</file>
+
+<file path=ppt/slides/slide19.xml><?xml version="1.0" encoding="utf-8"?>
+<p:sld xmlns:a="http://schemas.openxmlformats.org/drawingml/2006/main" xmlns:r="http://schemas.openxmlformats.org/officeDocument/2006/relationships" xmlns:p="http://schemas.openxmlformats.org/presentationml/2006/main">
+  <p:cSld>
+    <p:spTree>
+      <p:nvGrpSpPr>
+        <p:cNvPr id="1" name=""/>
+        <p:cNvGrpSpPr/>
+        <p:nvPr/>
+      </p:nvGrpSpPr>
+      <p:grpSpPr>
+        <a:xfrm>
+          <a:off x="0" y="0"/>
+          <a:ext cx="0" cy="0"/>
+          <a:chOff x="0" y="0"/>
+          <a:chExt cx="0" cy="0"/>
+        </a:xfrm>
+      </p:grpSpPr>
+      <p:sp>
+        <p:nvSpPr>
+          <p:cNvPr id="2" name="Title 1"/>
+          <p:cNvSpPr>
+            <a:spLocks noGrp="1"/>
+          </p:cNvSpPr>
+          <p:nvPr>
+            <p:ph type="title"/>
+          </p:nvPr>
+        </p:nvSpPr>
+        <p:spPr/>
+        <p:txBody>
+          <a:bodyPr/>
+          <a:lstStyle/>
+          <a:p>
+            <a:r>
+              <a:rPr lang="en-US" dirty="0" err="1"/>
+              <a:t>Cau</a:t>
+            </a:r>
+            <a:r>
+              <a:rPr lang="en-US" dirty="0"/>
+              <a:t> </a:t>
+            </a:r>
+            <a:r>
+              <a:rPr lang="en-US" dirty="0" err="1"/>
+              <a:t>hinh</a:t>
+            </a:r>
+            <a:r>
+              <a:rPr lang="en-US" dirty="0"/>
+              <a:t> .</a:t>
+            </a:r>
+            <a:r>
+              <a:rPr lang="en-US" dirty="0" err="1"/>
+              <a:t>htaccess</a:t>
+            </a:r>
+            <a:endParaRPr lang="en-US" dirty="0"/>
+          </a:p>
+        </p:txBody>
+      </p:sp>
+      <p:sp>
+        <p:nvSpPr>
+          <p:cNvPr id="3" name="Content Placeholder 2"/>
+          <p:cNvSpPr>
+            <a:spLocks noGrp="1"/>
+          </p:cNvSpPr>
+          <p:nvPr>
+            <p:ph idx="1"/>
+          </p:nvPr>
+        </p:nvSpPr>
+        <p:spPr/>
+        <p:txBody>
+          <a:bodyPr>
+            <a:normAutofit fontScale="85000" lnSpcReduction="10000"/>
+          </a:bodyPr>
+          <a:lstStyle/>
+          <a:p>
+            <a:r>
+              <a:rPr lang="en-US" dirty="0"/>
+              <a:t>Tao file .</a:t>
+            </a:r>
+            <a:r>
+              <a:rPr lang="en-US" dirty="0" err="1"/>
+              <a:t>htaccess</a:t>
+            </a:r>
+            <a:r>
+              <a:rPr lang="en-US" dirty="0"/>
+              <a:t> </a:t>
+            </a:r>
+            <a:r>
+              <a:rPr lang="en-US" dirty="0" err="1"/>
+              <a:t>trong</a:t>
+            </a:r>
+            <a:r>
+              <a:rPr lang="en-US" dirty="0"/>
+              <a:t> C:\xampp\htdocs\yii2adv </a:t>
+            </a:r>
+            <a:r>
+              <a:rPr lang="en-US" dirty="0" err="1"/>
+              <a:t>voi</a:t>
+            </a:r>
+            <a:r>
+              <a:rPr lang="en-US" dirty="0"/>
+              <a:t> </a:t>
+            </a:r>
+            <a:r>
+              <a:rPr lang="en-US" dirty="0" err="1"/>
+              <a:t>noi</a:t>
+            </a:r>
+            <a:r>
+              <a:rPr lang="en-US" dirty="0"/>
+              <a:t> dung </a:t>
+            </a:r>
+            <a:r>
+              <a:rPr lang="en-US" dirty="0" err="1"/>
+              <a:t>nhu</a:t>
+            </a:r>
+            <a:r>
+              <a:rPr lang="en-US" dirty="0"/>
+              <a:t> </a:t>
+            </a:r>
+            <a:r>
+              <a:rPr lang="en-US" dirty="0" err="1"/>
+              <a:t>sau</a:t>
+            </a:r>
+            <a:r>
+              <a:rPr lang="en-US" dirty="0"/>
+              <a:t>:</a:t>
+            </a:r>
+          </a:p>
+          <a:p>
+            <a:pPr marL="36900" indent="0">
+              <a:buNone/>
+            </a:pPr>
+            <a:r>
+              <a:rPr lang="en-US" dirty="0"/>
+              <a:t># prevent directory listings</a:t>
+            </a:r>
+          </a:p>
+          <a:p>
+            <a:pPr marL="36900" indent="0">
+              <a:buNone/>
+            </a:pPr>
+            <a:r>
+              <a:rPr lang="en-US"/>
+              <a:t>Options –Indexes</a:t>
+            </a:r>
+          </a:p>
+          <a:p>
+            <a:pPr marL="36900" indent="0">
+              <a:buNone/>
+            </a:pPr>
+            <a:r>
+              <a:rPr lang="en-US"/>
+              <a:t># </a:t>
+            </a:r>
+            <a:r>
+              <a:rPr lang="en-US" dirty="0"/>
+              <a:t>follow symbolic links</a:t>
+            </a:r>
+          </a:p>
+          <a:p>
+            <a:pPr marL="36900" indent="0">
+              <a:buNone/>
+            </a:pPr>
+            <a:r>
+              <a:rPr lang="en-US" dirty="0"/>
+              <a:t>Options </a:t>
+            </a:r>
+            <a:r>
+              <a:rPr lang="en-US" dirty="0" err="1"/>
+              <a:t>FollowSymlinks</a:t>
+            </a:r>
+            <a:endParaRPr lang="en-US" dirty="0"/>
+          </a:p>
+          <a:p>
+            <a:pPr marL="36900" indent="0">
+              <a:buNone/>
+            </a:pPr>
+            <a:r>
+              <a:rPr lang="en-US" dirty="0" err="1"/>
+              <a:t>RewriteEngine</a:t>
+            </a:r>
+            <a:r>
+              <a:rPr lang="en-US" dirty="0"/>
+              <a:t> on </a:t>
+            </a:r>
+            <a:r>
+              <a:rPr lang="en-US" dirty="0" err="1"/>
+              <a:t>RewriteCond</a:t>
+            </a:r>
+            <a:r>
+              <a:rPr lang="en-US" dirty="0"/>
+              <a:t> %{REQUEST_URI} ^/system/$</a:t>
+            </a:r>
+          </a:p>
+          <a:p>
+            <a:pPr marL="36900" indent="0">
+              <a:buNone/>
+            </a:pPr>
+            <a:r>
+              <a:rPr lang="en-US" dirty="0" err="1"/>
+              <a:t>RewriteRule</a:t>
+            </a:r>
+            <a:r>
+              <a:rPr lang="en-US" dirty="0"/>
+              <a:t> ^(system)/$ /$1 [R=301,L]</a:t>
+            </a:r>
+          </a:p>
+          <a:p>
+            <a:pPr marL="36900" indent="0">
+              <a:buNone/>
+            </a:pPr>
+            <a:r>
+              <a:rPr lang="en-US" dirty="0" err="1"/>
+              <a:t>RewriteCond</a:t>
+            </a:r>
+            <a:r>
+              <a:rPr lang="en-US" dirty="0"/>
+              <a:t> %{REQUEST_URI} ^/system</a:t>
+            </a:r>
+          </a:p>
+          <a:p>
+            <a:pPr marL="36900" indent="0">
+              <a:buNone/>
+            </a:pPr>
+            <a:r>
+              <a:rPr lang="en-US" dirty="0" err="1"/>
+              <a:t>RewriteRule</a:t>
+            </a:r>
+            <a:r>
+              <a:rPr lang="en-US" dirty="0"/>
+              <a:t> ^system(/.+)?$ /backend/web/$1 [L,PT]</a:t>
+            </a:r>
+          </a:p>
+          <a:p>
+            <a:pPr marL="36900" indent="0">
+              <a:buNone/>
+            </a:pPr>
+            <a:r>
+              <a:rPr lang="en-US" dirty="0" err="1"/>
+              <a:t>RewriteCond</a:t>
+            </a:r>
+            <a:r>
+              <a:rPr lang="en-US" dirty="0"/>
+              <a:t> $1 !^(index\.</a:t>
+            </a:r>
+            <a:r>
+              <a:rPr lang="en-US" dirty="0" err="1"/>
+              <a:t>php|uploads|favicon</a:t>
+            </a:r>
+            <a:r>
+              <a:rPr lang="en-US" dirty="0"/>
+              <a:t>\.</a:t>
+            </a:r>
+            <a:r>
+              <a:rPr lang="en-US" dirty="0" err="1"/>
+              <a:t>ico</a:t>
+            </a:r>
+            <a:r>
+              <a:rPr lang="en-US" dirty="0"/>
+              <a:t>)</a:t>
+            </a:r>
+          </a:p>
+          <a:p>
+            <a:pPr marL="36900" indent="0">
+              <a:buNone/>
+            </a:pPr>
+            <a:r>
+              <a:rPr lang="en-US" dirty="0" err="1"/>
+              <a:t>RewriteRule</a:t>
+            </a:r>
+            <a:r>
+              <a:rPr lang="en-US" dirty="0"/>
+              <a:t> ^(.*)$ frontend/web/$1 [L]</a:t>
+            </a:r>
+          </a:p>
+        </p:txBody>
+      </p:sp>
+    </p:spTree>
+    <p:extLst>
+      <p:ext uri="{BB962C8B-B14F-4D97-AF65-F5344CB8AC3E}">
+        <p14:creationId xmlns:p14="http://schemas.microsoft.com/office/powerpoint/2010/main" val="2483060855"/>
+      </p:ext>
+    </p:extLst>
+  </p:cSld>
+  <p:clrMapOvr>
+    <a:masterClrMapping/>
+  </p:clrMapOvr>
 </p:sld>
 </file>
 
@@ -8415,13 +8783,563 @@
   <p:clrMapOvr>
     <a:masterClrMapping/>
   </p:clrMapOvr>
-  <p:timing>
-    <p:tnLst>
-      <p:par>
-        <p:cTn id="1" dur="indefinite" restart="never" nodeType="tmRoot"/>
-      </p:par>
-    </p:tnLst>
-  </p:timing>
+</p:sld>
+</file>
+
+<file path=ppt/slides/slide20.xml><?xml version="1.0" encoding="utf-8"?>
+<p:sld xmlns:a="http://schemas.openxmlformats.org/drawingml/2006/main" xmlns:r="http://schemas.openxmlformats.org/officeDocument/2006/relationships" xmlns:p="http://schemas.openxmlformats.org/presentationml/2006/main">
+  <p:cSld>
+    <p:spTree>
+      <p:nvGrpSpPr>
+        <p:cNvPr id="1" name=""/>
+        <p:cNvGrpSpPr/>
+        <p:nvPr/>
+      </p:nvGrpSpPr>
+      <p:grpSpPr>
+        <a:xfrm>
+          <a:off x="0" y="0"/>
+          <a:ext cx="0" cy="0"/>
+          <a:chOff x="0" y="0"/>
+          <a:chExt cx="0" cy="0"/>
+        </a:xfrm>
+      </p:grpSpPr>
+      <p:sp>
+        <p:nvSpPr>
+          <p:cNvPr id="2" name="Title 1"/>
+          <p:cNvSpPr>
+            <a:spLocks noGrp="1"/>
+          </p:cNvSpPr>
+          <p:nvPr>
+            <p:ph type="title"/>
+          </p:nvPr>
+        </p:nvSpPr>
+        <p:spPr/>
+        <p:txBody>
+          <a:bodyPr/>
+          <a:lstStyle/>
+          <a:p>
+            <a:r>
+              <a:rPr lang="en-US" dirty="0" err="1"/>
+              <a:t>Cau</a:t>
+            </a:r>
+            <a:r>
+              <a:rPr lang="en-US" dirty="0"/>
+              <a:t> </a:t>
+            </a:r>
+            <a:r>
+              <a:rPr lang="en-US" dirty="0" err="1"/>
+              <a:t>hinh</a:t>
+            </a:r>
+            <a:r>
+              <a:rPr lang="en-US" dirty="0"/>
+              <a:t> .</a:t>
+            </a:r>
+            <a:r>
+              <a:rPr lang="en-US" dirty="0" err="1"/>
+              <a:t>htaccess</a:t>
+            </a:r>
+            <a:endParaRPr lang="en-US" dirty="0"/>
+          </a:p>
+        </p:txBody>
+      </p:sp>
+      <p:sp>
+        <p:nvSpPr>
+          <p:cNvPr id="3" name="Content Placeholder 2"/>
+          <p:cNvSpPr>
+            <a:spLocks noGrp="1"/>
+          </p:cNvSpPr>
+          <p:nvPr>
+            <p:ph idx="1"/>
+          </p:nvPr>
+        </p:nvSpPr>
+        <p:spPr/>
+        <p:txBody>
+          <a:bodyPr/>
+          <a:lstStyle/>
+          <a:p>
+            <a:r>
+              <a:rPr lang="en-US" dirty="0"/>
+              <a:t>Tao file .</a:t>
+            </a:r>
+            <a:r>
+              <a:rPr lang="en-US" dirty="0" err="1"/>
+              <a:t>htaccess</a:t>
+            </a:r>
+            <a:r>
+              <a:rPr lang="en-US" dirty="0"/>
+              <a:t> </a:t>
+            </a:r>
+            <a:r>
+              <a:rPr lang="en-US" dirty="0" err="1"/>
+              <a:t>trong</a:t>
+            </a:r>
+            <a:r>
+              <a:rPr lang="en-US" dirty="0"/>
+              <a:t> C:\xampp\htdocs\yii2adv\frontend\web </a:t>
+            </a:r>
+            <a:r>
+              <a:rPr lang="en-US" dirty="0" err="1"/>
+              <a:t>va</a:t>
+            </a:r>
+            <a:r>
+              <a:rPr lang="en-US" dirty="0"/>
+              <a:t> C:\xampp\htdocs\yii2adv\backend\webvoi </a:t>
+            </a:r>
+            <a:r>
+              <a:rPr lang="en-US" dirty="0" err="1"/>
+              <a:t>noi</a:t>
+            </a:r>
+            <a:r>
+              <a:rPr lang="en-US" dirty="0"/>
+              <a:t> dung </a:t>
+            </a:r>
+            <a:r>
+              <a:rPr lang="en-US" dirty="0" err="1"/>
+              <a:t>nhu</a:t>
+            </a:r>
+            <a:r>
+              <a:rPr lang="en-US" dirty="0"/>
+              <a:t> </a:t>
+            </a:r>
+            <a:r>
+              <a:rPr lang="en-US" dirty="0" err="1"/>
+              <a:t>sau</a:t>
+            </a:r>
+            <a:r>
+              <a:rPr lang="en-US" dirty="0"/>
+              <a:t>:</a:t>
+            </a:r>
+          </a:p>
+          <a:p>
+            <a:pPr marL="36900" indent="0">
+              <a:buNone/>
+            </a:pPr>
+            <a:r>
+              <a:rPr lang="en-US" dirty="0" err="1"/>
+              <a:t>RewriteEngine</a:t>
+            </a:r>
+            <a:r>
+              <a:rPr lang="en-US" dirty="0"/>
+              <a:t> on </a:t>
+            </a:r>
+          </a:p>
+          <a:p>
+            <a:pPr marL="36900" indent="0">
+              <a:buNone/>
+            </a:pPr>
+            <a:r>
+              <a:rPr lang="en-US" dirty="0" err="1"/>
+              <a:t>RewriteCond</a:t>
+            </a:r>
+            <a:r>
+              <a:rPr lang="en-US" dirty="0"/>
+              <a:t> %{REQUEST_FILENAME} !-f</a:t>
+            </a:r>
+          </a:p>
+          <a:p>
+            <a:pPr marL="36900" indent="0">
+              <a:buNone/>
+            </a:pPr>
+            <a:r>
+              <a:rPr lang="en-US" dirty="0" err="1"/>
+              <a:t>RewriteCond</a:t>
+            </a:r>
+            <a:r>
+              <a:rPr lang="en-US" dirty="0"/>
+              <a:t> %{REQUEST_FILENAME} !-d  </a:t>
+            </a:r>
+          </a:p>
+          <a:p>
+            <a:pPr marL="36900" indent="0">
+              <a:buNone/>
+            </a:pPr>
+            <a:r>
+              <a:rPr lang="en-US" dirty="0" err="1"/>
+              <a:t>RewriteRule</a:t>
+            </a:r>
+            <a:r>
+              <a:rPr lang="en-US" dirty="0"/>
+              <a:t> . </a:t>
+            </a:r>
+            <a:r>
+              <a:rPr lang="en-US" dirty="0" err="1"/>
+              <a:t>index.php</a:t>
+            </a:r>
+            <a:endParaRPr lang="en-US" dirty="0"/>
+          </a:p>
+        </p:txBody>
+      </p:sp>
+    </p:spTree>
+    <p:extLst>
+      <p:ext uri="{BB962C8B-B14F-4D97-AF65-F5344CB8AC3E}">
+        <p14:creationId xmlns:p14="http://schemas.microsoft.com/office/powerpoint/2010/main" val="430097311"/>
+      </p:ext>
+    </p:extLst>
+  </p:cSld>
+  <p:clrMapOvr>
+    <a:masterClrMapping/>
+  </p:clrMapOvr>
+</p:sld>
+</file>
+
+<file path=ppt/slides/slide21.xml><?xml version="1.0" encoding="utf-8"?>
+<p:sld xmlns:a="http://schemas.openxmlformats.org/drawingml/2006/main" xmlns:r="http://schemas.openxmlformats.org/officeDocument/2006/relationships" xmlns:p="http://schemas.openxmlformats.org/presentationml/2006/main">
+  <p:cSld>
+    <p:spTree>
+      <p:nvGrpSpPr>
+        <p:cNvPr id="1" name=""/>
+        <p:cNvGrpSpPr/>
+        <p:nvPr/>
+      </p:nvGrpSpPr>
+      <p:grpSpPr>
+        <a:xfrm>
+          <a:off x="0" y="0"/>
+          <a:ext cx="0" cy="0"/>
+          <a:chOff x="0" y="0"/>
+          <a:chExt cx="0" cy="0"/>
+        </a:xfrm>
+      </p:grpSpPr>
+      <p:sp>
+        <p:nvSpPr>
+          <p:cNvPr id="2" name="Title 1"/>
+          <p:cNvSpPr>
+            <a:spLocks noGrp="1"/>
+          </p:cNvSpPr>
+          <p:nvPr>
+            <p:ph type="title"/>
+          </p:nvPr>
+        </p:nvSpPr>
+        <p:spPr/>
+        <p:txBody>
+          <a:bodyPr/>
+          <a:lstStyle/>
+          <a:p>
+            <a:r>
+              <a:rPr lang="en-US" dirty="0"/>
+              <a:t>Issue cannot start Apache</a:t>
+            </a:r>
+          </a:p>
+        </p:txBody>
+      </p:sp>
+      <p:sp>
+        <p:nvSpPr>
+          <p:cNvPr id="3" name="Content Placeholder 2"/>
+          <p:cNvSpPr>
+            <a:spLocks noGrp="1"/>
+          </p:cNvSpPr>
+          <p:nvPr>
+            <p:ph idx="1"/>
+          </p:nvPr>
+        </p:nvSpPr>
+        <p:spPr/>
+        <p:txBody>
+          <a:bodyPr/>
+          <a:lstStyle/>
+          <a:p>
+            <a:r>
+              <a:rPr lang="en-US" dirty="0"/>
+              <a:t>Run </a:t>
+            </a:r>
+            <a:r>
+              <a:rPr lang="en-US" dirty="0" err="1"/>
+              <a:t>Xamp</a:t>
+            </a:r>
+            <a:r>
+              <a:rPr lang="en-US" dirty="0"/>
+              <a:t> as Administrator</a:t>
+            </a:r>
+          </a:p>
+        </p:txBody>
+      </p:sp>
+    </p:spTree>
+    <p:extLst>
+      <p:ext uri="{BB962C8B-B14F-4D97-AF65-F5344CB8AC3E}">
+        <p14:creationId xmlns:p14="http://schemas.microsoft.com/office/powerpoint/2010/main" val="4285524774"/>
+      </p:ext>
+    </p:extLst>
+  </p:cSld>
+  <p:clrMapOvr>
+    <a:masterClrMapping/>
+  </p:clrMapOvr>
+</p:sld>
+</file>
+
+<file path=ppt/slides/slide22.xml><?xml version="1.0" encoding="utf-8"?>
+<p:sld xmlns:a="http://schemas.openxmlformats.org/drawingml/2006/main" xmlns:r="http://schemas.openxmlformats.org/officeDocument/2006/relationships" xmlns:p="http://schemas.openxmlformats.org/presentationml/2006/main">
+  <p:cSld>
+    <p:spTree>
+      <p:nvGrpSpPr>
+        <p:cNvPr id="1" name=""/>
+        <p:cNvGrpSpPr/>
+        <p:nvPr/>
+      </p:nvGrpSpPr>
+      <p:grpSpPr>
+        <a:xfrm>
+          <a:off x="0" y="0"/>
+          <a:ext cx="0" cy="0"/>
+          <a:chOff x="0" y="0"/>
+          <a:chExt cx="0" cy="0"/>
+        </a:xfrm>
+      </p:grpSpPr>
+      <p:sp>
+        <p:nvSpPr>
+          <p:cNvPr id="2" name="Title 1"/>
+          <p:cNvSpPr>
+            <a:spLocks noGrp="1"/>
+          </p:cNvSpPr>
+          <p:nvPr>
+            <p:ph type="title"/>
+          </p:nvPr>
+        </p:nvSpPr>
+        <p:spPr/>
+        <p:txBody>
+          <a:bodyPr/>
+          <a:lstStyle/>
+          <a:p>
+            <a:endParaRPr lang="en-US"/>
+          </a:p>
+        </p:txBody>
+      </p:sp>
+      <p:sp>
+        <p:nvSpPr>
+          <p:cNvPr id="3" name="Content Placeholder 2"/>
+          <p:cNvSpPr>
+            <a:spLocks noGrp="1"/>
+          </p:cNvSpPr>
+          <p:nvPr>
+            <p:ph idx="1"/>
+          </p:nvPr>
+        </p:nvSpPr>
+        <p:spPr/>
+        <p:txBody>
+          <a:bodyPr/>
+          <a:lstStyle/>
+          <a:p>
+            <a:r>
+              <a:rPr lang="en-US" dirty="0">
+                <a:hlinkClick r:id="rId2"/>
+              </a:rPr>
+              <a:t>http://yii2.com/</a:t>
+            </a:r>
+            <a:endParaRPr lang="en-US" dirty="0"/>
+          </a:p>
+          <a:p>
+            <a:pPr marL="36900" indent="0">
+              <a:buNone/>
+            </a:pPr>
+            <a:endParaRPr lang="en-US" dirty="0"/>
+          </a:p>
+        </p:txBody>
+      </p:sp>
+      <p:pic>
+        <p:nvPicPr>
+          <p:cNvPr id="4" name="Picture 3"/>
+          <p:cNvPicPr>
+            <a:picLocks noChangeAspect="1"/>
+          </p:cNvPicPr>
+          <p:nvPr/>
+        </p:nvPicPr>
+        <p:blipFill>
+          <a:blip r:embed="rId3"/>
+          <a:stretch>
+            <a:fillRect/>
+          </a:stretch>
+        </p:blipFill>
+        <p:spPr>
+          <a:xfrm>
+            <a:off x="685347" y="2175627"/>
+            <a:ext cx="7765322" cy="4443222"/>
+          </a:xfrm>
+          <a:prstGeom prst="rect">
+            <a:avLst/>
+          </a:prstGeom>
+        </p:spPr>
+      </p:pic>
+    </p:spTree>
+    <p:extLst>
+      <p:ext uri="{BB962C8B-B14F-4D97-AF65-F5344CB8AC3E}">
+        <p14:creationId xmlns:p14="http://schemas.microsoft.com/office/powerpoint/2010/main" val="925480022"/>
+      </p:ext>
+    </p:extLst>
+  </p:cSld>
+  <p:clrMapOvr>
+    <a:masterClrMapping/>
+  </p:clrMapOvr>
+</p:sld>
+</file>
+
+<file path=ppt/slides/slide23.xml><?xml version="1.0" encoding="utf-8"?>
+<p:sld xmlns:a="http://schemas.openxmlformats.org/drawingml/2006/main" xmlns:r="http://schemas.openxmlformats.org/officeDocument/2006/relationships" xmlns:p="http://schemas.openxmlformats.org/presentationml/2006/main">
+  <p:cSld>
+    <p:spTree>
+      <p:nvGrpSpPr>
+        <p:cNvPr id="1" name=""/>
+        <p:cNvGrpSpPr/>
+        <p:nvPr/>
+      </p:nvGrpSpPr>
+      <p:grpSpPr>
+        <a:xfrm>
+          <a:off x="0" y="0"/>
+          <a:ext cx="0" cy="0"/>
+          <a:chOff x="0" y="0"/>
+          <a:chExt cx="0" cy="0"/>
+        </a:xfrm>
+      </p:grpSpPr>
+      <p:sp>
+        <p:nvSpPr>
+          <p:cNvPr id="2" name="Title 1"/>
+          <p:cNvSpPr>
+            <a:spLocks noGrp="1"/>
+          </p:cNvSpPr>
+          <p:nvPr>
+            <p:ph type="title"/>
+          </p:nvPr>
+        </p:nvSpPr>
+        <p:spPr/>
+        <p:txBody>
+          <a:bodyPr/>
+          <a:lstStyle/>
+          <a:p>
+            <a:endParaRPr lang="en-US"/>
+          </a:p>
+        </p:txBody>
+      </p:sp>
+      <p:sp>
+        <p:nvSpPr>
+          <p:cNvPr id="3" name="Content Placeholder 2"/>
+          <p:cNvSpPr>
+            <a:spLocks noGrp="1"/>
+          </p:cNvSpPr>
+          <p:nvPr>
+            <p:ph idx="1"/>
+          </p:nvPr>
+        </p:nvSpPr>
+        <p:spPr/>
+        <p:txBody>
+          <a:bodyPr/>
+          <a:lstStyle/>
+          <a:p>
+            <a:r>
+              <a:rPr lang="en-US" dirty="0">
+                <a:hlinkClick r:id="rId2"/>
+              </a:rPr>
+              <a:t>http://yii2.com/system</a:t>
+            </a:r>
+            <a:endParaRPr lang="en-US" dirty="0"/>
+          </a:p>
+          <a:p>
+            <a:pPr marL="36900" indent="0">
+              <a:buNone/>
+            </a:pPr>
+            <a:endParaRPr lang="en-US" dirty="0"/>
+          </a:p>
+        </p:txBody>
+      </p:sp>
+      <p:pic>
+        <p:nvPicPr>
+          <p:cNvPr id="4" name="Picture 3"/>
+          <p:cNvPicPr>
+            <a:picLocks noChangeAspect="1"/>
+          </p:cNvPicPr>
+          <p:nvPr/>
+        </p:nvPicPr>
+        <p:blipFill>
+          <a:blip r:embed="rId3"/>
+          <a:stretch>
+            <a:fillRect/>
+          </a:stretch>
+        </p:blipFill>
+        <p:spPr>
+          <a:xfrm>
+            <a:off x="685346" y="2189976"/>
+            <a:ext cx="7765322" cy="4447523"/>
+          </a:xfrm>
+          <a:prstGeom prst="rect">
+            <a:avLst/>
+          </a:prstGeom>
+        </p:spPr>
+      </p:pic>
+    </p:spTree>
+    <p:extLst>
+      <p:ext uri="{BB962C8B-B14F-4D97-AF65-F5344CB8AC3E}">
+        <p14:creationId xmlns:p14="http://schemas.microsoft.com/office/powerpoint/2010/main" val="2685110960"/>
+      </p:ext>
+    </p:extLst>
+  </p:cSld>
+  <p:clrMapOvr>
+    <a:masterClrMapping/>
+  </p:clrMapOvr>
+</p:sld>
+</file>
+
+<file path=ppt/slides/slide24.xml><?xml version="1.0" encoding="utf-8"?>
+<p:sld xmlns:a="http://schemas.openxmlformats.org/drawingml/2006/main" xmlns:r="http://schemas.openxmlformats.org/officeDocument/2006/relationships" xmlns:p="http://schemas.openxmlformats.org/presentationml/2006/main">
+  <p:cSld>
+    <p:spTree>
+      <p:nvGrpSpPr>
+        <p:cNvPr id="1" name=""/>
+        <p:cNvGrpSpPr/>
+        <p:nvPr/>
+      </p:nvGrpSpPr>
+      <p:grpSpPr>
+        <a:xfrm>
+          <a:off x="0" y="0"/>
+          <a:ext cx="0" cy="0"/>
+          <a:chOff x="0" y="0"/>
+          <a:chExt cx="0" cy="0"/>
+        </a:xfrm>
+      </p:grpSpPr>
+      <p:sp>
+        <p:nvSpPr>
+          <p:cNvPr id="2" name="Title 1"/>
+          <p:cNvSpPr>
+            <a:spLocks noGrp="1"/>
+          </p:cNvSpPr>
+          <p:nvPr>
+            <p:ph type="title"/>
+          </p:nvPr>
+        </p:nvSpPr>
+        <p:spPr/>
+        <p:txBody>
+          <a:bodyPr/>
+          <a:lstStyle/>
+          <a:p>
+            <a:r>
+              <a:rPr lang="en-US" dirty="0"/>
+              <a:t>Demo</a:t>
+            </a:r>
+          </a:p>
+        </p:txBody>
+      </p:sp>
+      <p:sp>
+        <p:nvSpPr>
+          <p:cNvPr id="3" name="Content Placeholder 2"/>
+          <p:cNvSpPr>
+            <a:spLocks noGrp="1"/>
+          </p:cNvSpPr>
+          <p:nvPr>
+            <p:ph idx="1"/>
+          </p:nvPr>
+        </p:nvSpPr>
+        <p:spPr/>
+        <p:txBody>
+          <a:bodyPr/>
+          <a:lstStyle/>
+          <a:p>
+            <a:endParaRPr lang="en-US" dirty="0"/>
+          </a:p>
+        </p:txBody>
+      </p:sp>
+    </p:spTree>
+    <p:extLst>
+      <p:ext uri="{BB962C8B-B14F-4D97-AF65-F5344CB8AC3E}">
+        <p14:creationId xmlns:p14="http://schemas.microsoft.com/office/powerpoint/2010/main" val="1294063239"/>
+      </p:ext>
+    </p:extLst>
+  </p:cSld>
+  <p:clrMapOvr>
+    <a:masterClrMapping/>
+  </p:clrMapOvr>
 </p:sld>
 </file>
 
@@ -8497,13 +9415,6 @@
   <p:clrMapOvr>
     <a:masterClrMapping/>
   </p:clrMapOvr>
-  <p:timing>
-    <p:tnLst>
-      <p:par>
-        <p:cTn id="1" dur="indefinite" restart="never" nodeType="tmRoot"/>
-      </p:par>
-    </p:tnLst>
-  </p:timing>
 </p:sld>
 </file>
 
@@ -8665,13 +9576,6 @@
   <p:clrMapOvr>
     <a:masterClrMapping/>
   </p:clrMapOvr>
-  <p:timing>
-    <p:tnLst>
-      <p:par>
-        <p:cTn id="1" dur="indefinite" restart="never" nodeType="tmRoot"/>
-      </p:par>
-    </p:tnLst>
-  </p:timing>
 </p:sld>
 </file>
 
@@ -8864,13 +9768,6 @@
   <p:clrMapOvr>
     <a:masterClrMapping/>
   </p:clrMapOvr>
-  <p:timing>
-    <p:tnLst>
-      <p:par>
-        <p:cTn id="1" dur="indefinite" restart="never" nodeType="tmRoot"/>
-      </p:par>
-    </p:tnLst>
-  </p:timing>
 </p:sld>
 </file>
 
@@ -9048,13 +9945,6 @@
   <p:clrMapOvr>
     <a:masterClrMapping/>
   </p:clrMapOvr>
-  <p:timing>
-    <p:tnLst>
-      <p:par>
-        <p:cTn id="1" dur="indefinite" restart="never" nodeType="tmRoot"/>
-      </p:par>
-    </p:tnLst>
-  </p:timing>
 </p:sld>
 </file>
 
@@ -9500,13 +10390,6 @@
   <p:clrMapOvr>
     <a:masterClrMapping/>
   </p:clrMapOvr>
-  <p:timing>
-    <p:tnLst>
-      <p:par>
-        <p:cTn id="1" dur="indefinite" restart="never" nodeType="tmRoot"/>
-      </p:par>
-    </p:tnLst>
-  </p:timing>
 </p:sld>
 </file>
 
@@ -9708,17 +10591,8 @@
               <a:rPr lang="en-US" dirty="0">
                 <a:effectLst/>
               </a:rPr>
-              <a:t> composer </a:t>
-            </a:r>
-            <a:r>
-              <a:rPr lang="en-US" dirty="0" err="1">
-                <a:effectLst/>
-              </a:rPr>
-              <a:t>plusin</a:t>
-            </a:r>
-            <a:endParaRPr lang="en-US" dirty="0">
-              <a:effectLst/>
-            </a:endParaRPr>
+              <a:t> composer plugin</a:t>
+            </a:r>
           </a:p>
           <a:p>
             <a:pPr lvl="1"/>
@@ -9830,13 +10704,6 @@
   <p:clrMapOvr>
     <a:masterClrMapping/>
   </p:clrMapOvr>
-  <p:timing>
-    <p:tnLst>
-      <p:par>
-        <p:cTn id="1" dur="indefinite" restart="never" nodeType="tmRoot"/>
-      </p:par>
-    </p:tnLst>
-  </p:timing>
 </p:sld>
 </file>
 
@@ -10390,13 +11257,6 @@
   <p:clrMapOvr>
     <a:masterClrMapping/>
   </p:clrMapOvr>
-  <p:timing>
-    <p:tnLst>
-      <p:par>
-        <p:cTn id="1" dur="indefinite" restart="never" nodeType="tmRoot"/>
-      </p:par>
-    </p:tnLst>
-  </p:timing>
 </p:sld>
 </file>
 

--- a/Yii-Framwork.pptx
+++ b/Yii-Framwork.pptx
@@ -324,7 +324,7 @@
           <a:p>
             <a:fld id="{BB53B2B5-BB6F-44F1-B425-F34BF9B81B91}" type="datetimeFigureOut">
               <a:rPr lang="en-US" smtClean="0"/>
-              <a:t>5/20/2017</a:t>
+              <a:t>5/25/2017</a:t>
             </a:fld>
             <a:endParaRPr lang="en-US"/>
           </a:p>
@@ -622,7 +622,7 @@
           <a:p>
             <a:fld id="{BB53B2B5-BB6F-44F1-B425-F34BF9B81B91}" type="datetimeFigureOut">
               <a:rPr lang="en-US" smtClean="0"/>
-              <a:t>5/20/2017</a:t>
+              <a:t>5/25/2017</a:t>
             </a:fld>
             <a:endParaRPr lang="en-US"/>
           </a:p>
@@ -814,7 +814,7 @@
           <a:p>
             <a:fld id="{BB53B2B5-BB6F-44F1-B425-F34BF9B81B91}" type="datetimeFigureOut">
               <a:rPr lang="en-US" smtClean="0"/>
-              <a:t>5/20/2017</a:t>
+              <a:t>5/25/2017</a:t>
             </a:fld>
             <a:endParaRPr lang="en-US"/>
           </a:p>
@@ -1075,7 +1075,7 @@
           <a:p>
             <a:fld id="{BB53B2B5-BB6F-44F1-B425-F34BF9B81B91}" type="datetimeFigureOut">
               <a:rPr lang="en-US" smtClean="0"/>
-              <a:t>5/20/2017</a:t>
+              <a:t>5/25/2017</a:t>
             </a:fld>
             <a:endParaRPr lang="en-US"/>
           </a:p>
@@ -1499,7 +1499,7 @@
           <a:p>
             <a:fld id="{BB53B2B5-BB6F-44F1-B425-F34BF9B81B91}" type="datetimeFigureOut">
               <a:rPr lang="en-US" smtClean="0"/>
-              <a:t>5/20/2017</a:t>
+              <a:t>5/25/2017</a:t>
             </a:fld>
             <a:endParaRPr lang="en-US"/>
           </a:p>
@@ -2036,7 +2036,7 @@
           <a:p>
             <a:fld id="{BB53B2B5-BB6F-44F1-B425-F34BF9B81B91}" type="datetimeFigureOut">
               <a:rPr lang="en-US" smtClean="0"/>
-              <a:t>5/20/2017</a:t>
+              <a:t>5/25/2017</a:t>
             </a:fld>
             <a:endParaRPr lang="en-US"/>
           </a:p>
@@ -2900,7 +2900,7 @@
           <a:p>
             <a:fld id="{BB53B2B5-BB6F-44F1-B425-F34BF9B81B91}" type="datetimeFigureOut">
               <a:rPr lang="en-US" smtClean="0"/>
-              <a:t>5/20/2017</a:t>
+              <a:t>5/25/2017</a:t>
             </a:fld>
             <a:endParaRPr lang="en-US"/>
           </a:p>
@@ -3070,7 +3070,7 @@
           <a:p>
             <a:fld id="{BB53B2B5-BB6F-44F1-B425-F34BF9B81B91}" type="datetimeFigureOut">
               <a:rPr lang="en-US" smtClean="0"/>
-              <a:t>5/20/2017</a:t>
+              <a:t>5/25/2017</a:t>
             </a:fld>
             <a:endParaRPr lang="en-US"/>
           </a:p>
@@ -3254,7 +3254,7 @@
           <a:p>
             <a:fld id="{BB53B2B5-BB6F-44F1-B425-F34BF9B81B91}" type="datetimeFigureOut">
               <a:rPr lang="en-US" smtClean="0"/>
-              <a:t>5/20/2017</a:t>
+              <a:t>5/25/2017</a:t>
             </a:fld>
             <a:endParaRPr lang="en-US"/>
           </a:p>
@@ -3424,7 +3424,7 @@
           <a:p>
             <a:fld id="{BB53B2B5-BB6F-44F1-B425-F34BF9B81B91}" type="datetimeFigureOut">
               <a:rPr lang="en-US" smtClean="0"/>
-              <a:t>5/20/2017</a:t>
+              <a:t>5/25/2017</a:t>
             </a:fld>
             <a:endParaRPr lang="en-US"/>
           </a:p>
@@ -3668,7 +3668,7 @@
           <a:p>
             <a:fld id="{BB53B2B5-BB6F-44F1-B425-F34BF9B81B91}" type="datetimeFigureOut">
               <a:rPr lang="en-US" smtClean="0"/>
-              <a:t>5/20/2017</a:t>
+              <a:t>5/25/2017</a:t>
             </a:fld>
             <a:endParaRPr lang="en-US"/>
           </a:p>
@@ -3904,7 +3904,7 @@
           <a:p>
             <a:fld id="{BB53B2B5-BB6F-44F1-B425-F34BF9B81B91}" type="datetimeFigureOut">
               <a:rPr lang="en-US" smtClean="0"/>
-              <a:t>5/20/2017</a:t>
+              <a:t>5/25/2017</a:t>
             </a:fld>
             <a:endParaRPr lang="en-US"/>
           </a:p>
@@ -4370,7 +4370,7 @@
           <a:p>
             <a:fld id="{BB53B2B5-BB6F-44F1-B425-F34BF9B81B91}" type="datetimeFigureOut">
               <a:rPr lang="en-US" smtClean="0"/>
-              <a:t>5/20/2017</a:t>
+              <a:t>5/25/2017</a:t>
             </a:fld>
             <a:endParaRPr lang="en-US"/>
           </a:p>
@@ -4488,7 +4488,7 @@
           <a:p>
             <a:fld id="{BB53B2B5-BB6F-44F1-B425-F34BF9B81B91}" type="datetimeFigureOut">
               <a:rPr lang="en-US" smtClean="0"/>
-              <a:t>5/20/2017</a:t>
+              <a:t>5/25/2017</a:t>
             </a:fld>
             <a:endParaRPr lang="en-US"/>
           </a:p>
@@ -4583,7 +4583,7 @@
           <a:p>
             <a:fld id="{BB53B2B5-BB6F-44F1-B425-F34BF9B81B91}" type="datetimeFigureOut">
               <a:rPr lang="en-US" smtClean="0"/>
-              <a:t>5/20/2017</a:t>
+              <a:t>5/25/2017</a:t>
             </a:fld>
             <a:endParaRPr lang="en-US"/>
           </a:p>
@@ -4838,7 +4838,7 @@
           <a:p>
             <a:fld id="{BB53B2B5-BB6F-44F1-B425-F34BF9B81B91}" type="datetimeFigureOut">
               <a:rPr lang="en-US" smtClean="0"/>
-              <a:t>5/20/2017</a:t>
+              <a:t>5/25/2017</a:t>
             </a:fld>
             <a:endParaRPr lang="en-US"/>
           </a:p>
@@ -5138,7 +5138,7 @@
           <a:p>
             <a:fld id="{BB53B2B5-BB6F-44F1-B425-F34BF9B81B91}" type="datetimeFigureOut">
               <a:rPr lang="en-US" smtClean="0"/>
-              <a:t>5/20/2017</a:t>
+              <a:t>5/25/2017</a:t>
             </a:fld>
             <a:endParaRPr lang="en-US"/>
           </a:p>
@@ -5372,7 +5372,7 @@
           <a:p>
             <a:fld id="{BB53B2B5-BB6F-44F1-B425-F34BF9B81B91}" type="datetimeFigureOut">
               <a:rPr lang="en-US" smtClean="0"/>
-              <a:t>5/20/2017</a:t>
+              <a:t>5/25/2017</a:t>
             </a:fld>
             <a:endParaRPr lang="en-US"/>
           </a:p>
@@ -8195,7 +8195,7 @@
             </a:r>
             <a:r>
               <a:rPr lang="en-US" sz="1600" b="1" dirty="0"/>
-              <a:t> "C:\xampp\htdocs\yii2adv"</a:t>
+              <a:t> "C:\xampp\htdocs\yii2adv\frontend\web"</a:t>
             </a:r>
           </a:p>
           <a:p>
@@ -9325,6 +9325,38 @@
         <p:txBody>
           <a:bodyPr/>
           <a:lstStyle/>
+          <a:p>
+            <a:r>
+              <a:rPr lang="en-US" dirty="0">
+                <a:hlinkClick r:id="rId2"/>
+              </a:rPr>
+              <a:t>http://yii2.com/users</a:t>
+            </a:r>
+            <a:endParaRPr lang="en-US" dirty="0"/>
+          </a:p>
+          <a:p>
+            <a:r>
+              <a:rPr lang="en-US" dirty="0"/>
+              <a:t>Link </a:t>
+            </a:r>
+            <a:r>
+              <a:rPr lang="en-US" dirty="0" err="1"/>
+              <a:t>huong</a:t>
+            </a:r>
+            <a:r>
+              <a:rPr lang="en-US" dirty="0"/>
+              <a:t> </a:t>
+            </a:r>
+            <a:r>
+              <a:rPr lang="en-US" dirty="0" err="1"/>
+              <a:t>dan</a:t>
+            </a:r>
+            <a:r>
+              <a:rPr lang="en-US"/>
+              <a:t>: http://phpandmysql.net/yii2-framework/yii2-phan-5-active-record-trong-model-yii2-framework-91.html</a:t>
+            </a:r>
+            <a:endParaRPr lang="en-US" dirty="0"/>
+          </a:p>
           <a:p>
             <a:endParaRPr lang="en-US" dirty="0"/>
           </a:p>
